--- a/Manuscript/Drafts/Fig Analysis Steps3.pptx
+++ b/Manuscript/Drafts/Fig Analysis Steps3.pptx
@@ -259,7 +259,7 @@
           <a:p>
             <a:fld id="{85B4A8A7-C2FF-4076-BC28-D85526382730}" type="datetimeFigureOut">
               <a:rPr lang="en-US" smtClean="0"/>
-              <a:t>1/26/2023</a:t>
+              <a:t>6/30/2023</a:t>
             </a:fld>
             <a:endParaRPr lang="en-US"/>
           </a:p>
@@ -457,7 +457,7 @@
           <a:p>
             <a:fld id="{85B4A8A7-C2FF-4076-BC28-D85526382730}" type="datetimeFigureOut">
               <a:rPr lang="en-US" smtClean="0"/>
-              <a:t>1/26/2023</a:t>
+              <a:t>6/30/2023</a:t>
             </a:fld>
             <a:endParaRPr lang="en-US"/>
           </a:p>
@@ -665,7 +665,7 @@
           <a:p>
             <a:fld id="{85B4A8A7-C2FF-4076-BC28-D85526382730}" type="datetimeFigureOut">
               <a:rPr lang="en-US" smtClean="0"/>
-              <a:t>1/26/2023</a:t>
+              <a:t>6/30/2023</a:t>
             </a:fld>
             <a:endParaRPr lang="en-US"/>
           </a:p>
@@ -863,7 +863,7 @@
           <a:p>
             <a:fld id="{85B4A8A7-C2FF-4076-BC28-D85526382730}" type="datetimeFigureOut">
               <a:rPr lang="en-US" smtClean="0"/>
-              <a:t>1/26/2023</a:t>
+              <a:t>6/30/2023</a:t>
             </a:fld>
             <a:endParaRPr lang="en-US"/>
           </a:p>
@@ -1138,7 +1138,7 @@
           <a:p>
             <a:fld id="{85B4A8A7-C2FF-4076-BC28-D85526382730}" type="datetimeFigureOut">
               <a:rPr lang="en-US" smtClean="0"/>
-              <a:t>1/26/2023</a:t>
+              <a:t>6/30/2023</a:t>
             </a:fld>
             <a:endParaRPr lang="en-US"/>
           </a:p>
@@ -1403,7 +1403,7 @@
           <a:p>
             <a:fld id="{85B4A8A7-C2FF-4076-BC28-D85526382730}" type="datetimeFigureOut">
               <a:rPr lang="en-US" smtClean="0"/>
-              <a:t>1/26/2023</a:t>
+              <a:t>6/30/2023</a:t>
             </a:fld>
             <a:endParaRPr lang="en-US"/>
           </a:p>
@@ -1815,7 +1815,7 @@
           <a:p>
             <a:fld id="{85B4A8A7-C2FF-4076-BC28-D85526382730}" type="datetimeFigureOut">
               <a:rPr lang="en-US" smtClean="0"/>
-              <a:t>1/26/2023</a:t>
+              <a:t>6/30/2023</a:t>
             </a:fld>
             <a:endParaRPr lang="en-US"/>
           </a:p>
@@ -1956,7 +1956,7 @@
           <a:p>
             <a:fld id="{85B4A8A7-C2FF-4076-BC28-D85526382730}" type="datetimeFigureOut">
               <a:rPr lang="en-US" smtClean="0"/>
-              <a:t>1/26/2023</a:t>
+              <a:t>6/30/2023</a:t>
             </a:fld>
             <a:endParaRPr lang="en-US"/>
           </a:p>
@@ -2069,7 +2069,7 @@
           <a:p>
             <a:fld id="{85B4A8A7-C2FF-4076-BC28-D85526382730}" type="datetimeFigureOut">
               <a:rPr lang="en-US" smtClean="0"/>
-              <a:t>1/26/2023</a:t>
+              <a:t>6/30/2023</a:t>
             </a:fld>
             <a:endParaRPr lang="en-US"/>
           </a:p>
@@ -2380,7 +2380,7 @@
           <a:p>
             <a:fld id="{85B4A8A7-C2FF-4076-BC28-D85526382730}" type="datetimeFigureOut">
               <a:rPr lang="en-US" smtClean="0"/>
-              <a:t>1/26/2023</a:t>
+              <a:t>6/30/2023</a:t>
             </a:fld>
             <a:endParaRPr lang="en-US"/>
           </a:p>
@@ -2668,7 +2668,7 @@
           <a:p>
             <a:fld id="{85B4A8A7-C2FF-4076-BC28-D85526382730}" type="datetimeFigureOut">
               <a:rPr lang="en-US" smtClean="0"/>
-              <a:t>1/26/2023</a:t>
+              <a:t>6/30/2023</a:t>
             </a:fld>
             <a:endParaRPr lang="en-US"/>
           </a:p>
@@ -2909,7 +2909,7 @@
           <a:p>
             <a:fld id="{85B4A8A7-C2FF-4076-BC28-D85526382730}" type="datetimeFigureOut">
               <a:rPr lang="en-US" smtClean="0"/>
-              <a:t>1/26/2023</a:t>
+              <a:t>6/30/2023</a:t>
             </a:fld>
             <a:endParaRPr lang="en-US"/>
           </a:p>
@@ -3328,10 +3328,10 @@
       </p:grpSpPr>
       <p:grpSp>
         <p:nvGrpSpPr>
-          <p:cNvPr id="147" name="Group 146">
+          <p:cNvPr id="205" name="Group 204">
             <a:extLst>
               <a:ext uri="{FF2B5EF4-FFF2-40B4-BE49-F238E27FC236}">
-                <a16:creationId xmlns:a16="http://schemas.microsoft.com/office/drawing/2014/main" id="{D93060F2-655E-0EFD-864A-B941DCFAB06E}"/>
+                <a16:creationId xmlns:a16="http://schemas.microsoft.com/office/drawing/2014/main" id="{944F2948-CC78-B317-ACD8-76BFB7337575}"/>
               </a:ext>
             </a:extLst>
           </p:cNvPr>
@@ -3340,1130 +3340,18 @@
         </p:nvGrpSpPr>
         <p:grpSpPr>
           <a:xfrm>
-            <a:off x="996434" y="732961"/>
-            <a:ext cx="4558093" cy="1849461"/>
-            <a:chOff x="919021" y="735723"/>
-            <a:chExt cx="4558093" cy="1849461"/>
+            <a:off x="996434" y="732249"/>
+            <a:ext cx="4408838" cy="1850173"/>
+            <a:chOff x="996434" y="732249"/>
+            <a:chExt cx="4408838" cy="1850173"/>
           </a:xfrm>
         </p:grpSpPr>
-        <p:cxnSp>
-          <p:nvCxnSpPr>
-            <p:cNvPr id="5" name="Straight Connector 4">
+        <p:grpSp>
+          <p:nvGrpSpPr>
+            <p:cNvPr id="206" name="Group 205">
               <a:extLst>
                 <a:ext uri="{FF2B5EF4-FFF2-40B4-BE49-F238E27FC236}">
-                  <a16:creationId xmlns:a16="http://schemas.microsoft.com/office/drawing/2014/main" id="{BAF4D275-0BDF-ABDA-08C9-723DA291B515}"/>
-                </a:ext>
-              </a:extLst>
-            </p:cNvPr>
-            <p:cNvCxnSpPr/>
-            <p:nvPr/>
-          </p:nvCxnSpPr>
-          <p:spPr>
-            <a:xfrm>
-              <a:off x="1234963" y="953309"/>
-              <a:ext cx="0" cy="1134094"/>
-            </a:xfrm>
-            <a:prstGeom prst="line">
-              <a:avLst/>
-            </a:prstGeom>
-            <a:ln w="28575">
-              <a:solidFill>
-                <a:schemeClr val="tx1"/>
-              </a:solidFill>
-            </a:ln>
-          </p:spPr>
-          <p:style>
-            <a:lnRef idx="1">
-              <a:schemeClr val="accent1"/>
-            </a:lnRef>
-            <a:fillRef idx="0">
-              <a:schemeClr val="accent1"/>
-            </a:fillRef>
-            <a:effectRef idx="0">
-              <a:schemeClr val="accent1"/>
-            </a:effectRef>
-            <a:fontRef idx="minor">
-              <a:schemeClr val="tx1"/>
-            </a:fontRef>
-          </p:style>
-        </p:cxnSp>
-        <p:cxnSp>
-          <p:nvCxnSpPr>
-            <p:cNvPr id="6" name="Straight Connector 5">
-              <a:extLst>
-                <a:ext uri="{FF2B5EF4-FFF2-40B4-BE49-F238E27FC236}">
-                  <a16:creationId xmlns:a16="http://schemas.microsoft.com/office/drawing/2014/main" id="{A49E4758-1CBF-05CB-D4A5-4632CEFB3878}"/>
-                </a:ext>
-              </a:extLst>
-            </p:cNvPr>
-            <p:cNvCxnSpPr>
-              <a:cxnSpLocks/>
-            </p:cNvCxnSpPr>
-            <p:nvPr/>
-          </p:nvCxnSpPr>
-          <p:spPr>
-            <a:xfrm flipH="1">
-              <a:off x="1234963" y="2087403"/>
-              <a:ext cx="1925782" cy="0"/>
-            </a:xfrm>
-            <a:prstGeom prst="line">
-              <a:avLst/>
-            </a:prstGeom>
-            <a:ln w="28575">
-              <a:solidFill>
-                <a:schemeClr val="tx1"/>
-              </a:solidFill>
-            </a:ln>
-          </p:spPr>
-          <p:style>
-            <a:lnRef idx="1">
-              <a:schemeClr val="accent1"/>
-            </a:lnRef>
-            <a:fillRef idx="0">
-              <a:schemeClr val="accent1"/>
-            </a:fillRef>
-            <a:effectRef idx="0">
-              <a:schemeClr val="accent1"/>
-            </a:effectRef>
-            <a:fontRef idx="minor">
-              <a:schemeClr val="tx1"/>
-            </a:fontRef>
-          </p:style>
-        </p:cxnSp>
-        <p:grpSp>
-          <p:nvGrpSpPr>
-            <p:cNvPr id="7" name="Group 6">
-              <a:extLst>
-                <a:ext uri="{FF2B5EF4-FFF2-40B4-BE49-F238E27FC236}">
-                  <a16:creationId xmlns:a16="http://schemas.microsoft.com/office/drawing/2014/main" id="{3AF006C8-E670-85C4-961C-1FCA43D74DD0}"/>
-                </a:ext>
-              </a:extLst>
-            </p:cNvPr>
-            <p:cNvGrpSpPr/>
-            <p:nvPr/>
-          </p:nvGrpSpPr>
-          <p:grpSpPr>
-            <a:xfrm rot="909238">
-              <a:off x="1347054" y="1446137"/>
-              <a:ext cx="1526704" cy="736270"/>
-              <a:chOff x="5847872" y="2994271"/>
-              <a:chExt cx="1526704" cy="736270"/>
-            </a:xfrm>
-          </p:grpSpPr>
-          <p:sp>
-            <p:nvSpPr>
-              <p:cNvPr id="37" name="Oval 36">
-                <a:extLst>
-                  <a:ext uri="{FF2B5EF4-FFF2-40B4-BE49-F238E27FC236}">
-                    <a16:creationId xmlns:a16="http://schemas.microsoft.com/office/drawing/2014/main" id="{3D70633F-47FE-D76B-9DD9-4E418378813D}"/>
-                  </a:ext>
-                </a:extLst>
-              </p:cNvPr>
-              <p:cNvSpPr/>
-              <p:nvPr/>
-            </p:nvSpPr>
-            <p:spPr>
-              <a:xfrm>
-                <a:off x="5847872" y="3610824"/>
-                <a:ext cx="45719" cy="45719"/>
-              </a:xfrm>
-              <a:prstGeom prst="ellipse">
-                <a:avLst/>
-              </a:prstGeom>
-              <a:solidFill>
-                <a:schemeClr val="tx1"/>
-              </a:solidFill>
-              <a:ln>
-                <a:solidFill>
-                  <a:schemeClr val="tx1"/>
-                </a:solidFill>
-              </a:ln>
-            </p:spPr>
-            <p:style>
-              <a:lnRef idx="2">
-                <a:schemeClr val="accent1">
-                  <a:shade val="50000"/>
-                </a:schemeClr>
-              </a:lnRef>
-              <a:fillRef idx="1">
-                <a:schemeClr val="accent1"/>
-              </a:fillRef>
-              <a:effectRef idx="0">
-                <a:schemeClr val="accent1"/>
-              </a:effectRef>
-              <a:fontRef idx="minor">
-                <a:schemeClr val="lt1"/>
-              </a:fontRef>
-            </p:style>
-            <p:txBody>
-              <a:bodyPr rtlCol="0" anchor="ctr"/>
-              <a:lstStyle/>
-              <a:p>
-                <a:pPr algn="ctr"/>
-                <a:endParaRPr lang="en-US" sz="1400">
-                  <a:latin typeface="Times New Roman" panose="02020603050405020304" pitchFamily="18" charset="0"/>
-                  <a:cs typeface="Times New Roman" panose="02020603050405020304" pitchFamily="18" charset="0"/>
-                </a:endParaRPr>
-              </a:p>
-            </p:txBody>
-          </p:sp>
-          <p:sp>
-            <p:nvSpPr>
-              <p:cNvPr id="38" name="Oval 37">
-                <a:extLst>
-                  <a:ext uri="{FF2B5EF4-FFF2-40B4-BE49-F238E27FC236}">
-                    <a16:creationId xmlns:a16="http://schemas.microsoft.com/office/drawing/2014/main" id="{9AC041BE-C45C-481F-611F-9F65AB3AF496}"/>
-                  </a:ext>
-                </a:extLst>
-              </p:cNvPr>
-              <p:cNvSpPr/>
-              <p:nvPr/>
-            </p:nvSpPr>
-            <p:spPr>
-              <a:xfrm>
-                <a:off x="6014915" y="3566494"/>
-                <a:ext cx="45719" cy="45719"/>
-              </a:xfrm>
-              <a:prstGeom prst="ellipse">
-                <a:avLst/>
-              </a:prstGeom>
-              <a:solidFill>
-                <a:schemeClr val="tx1"/>
-              </a:solidFill>
-              <a:ln>
-                <a:solidFill>
-                  <a:schemeClr val="tx1"/>
-                </a:solidFill>
-              </a:ln>
-            </p:spPr>
-            <p:style>
-              <a:lnRef idx="2">
-                <a:schemeClr val="accent1">
-                  <a:shade val="50000"/>
-                </a:schemeClr>
-              </a:lnRef>
-              <a:fillRef idx="1">
-                <a:schemeClr val="accent1"/>
-              </a:fillRef>
-              <a:effectRef idx="0">
-                <a:schemeClr val="accent1"/>
-              </a:effectRef>
-              <a:fontRef idx="minor">
-                <a:schemeClr val="lt1"/>
-              </a:fontRef>
-            </p:style>
-            <p:txBody>
-              <a:bodyPr rtlCol="0" anchor="ctr"/>
-              <a:lstStyle/>
-              <a:p>
-                <a:pPr algn="ctr"/>
-                <a:endParaRPr lang="en-US" sz="1400">
-                  <a:latin typeface="Times New Roman" panose="02020603050405020304" pitchFamily="18" charset="0"/>
-                  <a:cs typeface="Times New Roman" panose="02020603050405020304" pitchFamily="18" charset="0"/>
-                </a:endParaRPr>
-              </a:p>
-            </p:txBody>
-          </p:sp>
-          <p:sp>
-            <p:nvSpPr>
-              <p:cNvPr id="39" name="Oval 38">
-                <a:extLst>
-                  <a:ext uri="{FF2B5EF4-FFF2-40B4-BE49-F238E27FC236}">
-                    <a16:creationId xmlns:a16="http://schemas.microsoft.com/office/drawing/2014/main" id="{C178C82A-1D2F-4D41-8494-1ED457F47133}"/>
-                  </a:ext>
-                </a:extLst>
-              </p:cNvPr>
-              <p:cNvSpPr/>
-              <p:nvPr/>
-            </p:nvSpPr>
-            <p:spPr>
-              <a:xfrm>
-                <a:off x="6181958" y="3594494"/>
-                <a:ext cx="45719" cy="45719"/>
-              </a:xfrm>
-              <a:prstGeom prst="ellipse">
-                <a:avLst/>
-              </a:prstGeom>
-              <a:solidFill>
-                <a:schemeClr val="tx1"/>
-              </a:solidFill>
-              <a:ln>
-                <a:solidFill>
-                  <a:schemeClr val="tx1"/>
-                </a:solidFill>
-              </a:ln>
-            </p:spPr>
-            <p:style>
-              <a:lnRef idx="2">
-                <a:schemeClr val="accent1">
-                  <a:shade val="50000"/>
-                </a:schemeClr>
-              </a:lnRef>
-              <a:fillRef idx="1">
-                <a:schemeClr val="accent1"/>
-              </a:fillRef>
-              <a:effectRef idx="0">
-                <a:schemeClr val="accent1"/>
-              </a:effectRef>
-              <a:fontRef idx="minor">
-                <a:schemeClr val="lt1"/>
-              </a:fontRef>
-            </p:style>
-            <p:txBody>
-              <a:bodyPr rtlCol="0" anchor="ctr"/>
-              <a:lstStyle/>
-              <a:p>
-                <a:pPr algn="ctr"/>
-                <a:endParaRPr lang="en-US" sz="1400">
-                  <a:latin typeface="Times New Roman" panose="02020603050405020304" pitchFamily="18" charset="0"/>
-                  <a:cs typeface="Times New Roman" panose="02020603050405020304" pitchFamily="18" charset="0"/>
-                </a:endParaRPr>
-              </a:p>
-            </p:txBody>
-          </p:sp>
-          <p:sp>
-            <p:nvSpPr>
-              <p:cNvPr id="40" name="Oval 39">
-                <a:extLst>
-                  <a:ext uri="{FF2B5EF4-FFF2-40B4-BE49-F238E27FC236}">
-                    <a16:creationId xmlns:a16="http://schemas.microsoft.com/office/drawing/2014/main" id="{F8B914E2-2F82-42B6-419C-C871C49953E8}"/>
-                  </a:ext>
-                </a:extLst>
-              </p:cNvPr>
-              <p:cNvSpPr/>
-              <p:nvPr/>
-            </p:nvSpPr>
-            <p:spPr>
-              <a:xfrm>
-                <a:off x="6258197" y="3407231"/>
-                <a:ext cx="45719" cy="45719"/>
-              </a:xfrm>
-              <a:prstGeom prst="ellipse">
-                <a:avLst/>
-              </a:prstGeom>
-              <a:solidFill>
-                <a:schemeClr val="tx1"/>
-              </a:solidFill>
-              <a:ln>
-                <a:solidFill>
-                  <a:schemeClr val="tx1"/>
-                </a:solidFill>
-              </a:ln>
-            </p:spPr>
-            <p:style>
-              <a:lnRef idx="2">
-                <a:schemeClr val="accent1">
-                  <a:shade val="50000"/>
-                </a:schemeClr>
-              </a:lnRef>
-              <a:fillRef idx="1">
-                <a:schemeClr val="accent1"/>
-              </a:fillRef>
-              <a:effectRef idx="0">
-                <a:schemeClr val="accent1"/>
-              </a:effectRef>
-              <a:fontRef idx="minor">
-                <a:schemeClr val="lt1"/>
-              </a:fontRef>
-            </p:style>
-            <p:txBody>
-              <a:bodyPr rtlCol="0" anchor="ctr"/>
-              <a:lstStyle/>
-              <a:p>
-                <a:pPr algn="ctr"/>
-                <a:endParaRPr lang="en-US" sz="1400">
-                  <a:latin typeface="Times New Roman" panose="02020603050405020304" pitchFamily="18" charset="0"/>
-                  <a:cs typeface="Times New Roman" panose="02020603050405020304" pitchFamily="18" charset="0"/>
-                </a:endParaRPr>
-              </a:p>
-            </p:txBody>
-          </p:sp>
-          <p:sp>
-            <p:nvSpPr>
-              <p:cNvPr id="41" name="Oval 40">
-                <a:extLst>
-                  <a:ext uri="{FF2B5EF4-FFF2-40B4-BE49-F238E27FC236}">
-                    <a16:creationId xmlns:a16="http://schemas.microsoft.com/office/drawing/2014/main" id="{24CA382D-A4E8-8211-B9FC-0A4A6C0C744B}"/>
-                  </a:ext>
-                </a:extLst>
-              </p:cNvPr>
-              <p:cNvSpPr/>
-              <p:nvPr/>
-            </p:nvSpPr>
-            <p:spPr>
-              <a:xfrm>
-                <a:off x="6411816" y="3520775"/>
-                <a:ext cx="45719" cy="45719"/>
-              </a:xfrm>
-              <a:prstGeom prst="ellipse">
-                <a:avLst/>
-              </a:prstGeom>
-              <a:solidFill>
-                <a:schemeClr val="tx1"/>
-              </a:solidFill>
-              <a:ln>
-                <a:solidFill>
-                  <a:schemeClr val="tx1"/>
-                </a:solidFill>
-              </a:ln>
-            </p:spPr>
-            <p:style>
-              <a:lnRef idx="2">
-                <a:schemeClr val="accent1">
-                  <a:shade val="50000"/>
-                </a:schemeClr>
-              </a:lnRef>
-              <a:fillRef idx="1">
-                <a:schemeClr val="accent1"/>
-              </a:fillRef>
-              <a:effectRef idx="0">
-                <a:schemeClr val="accent1"/>
-              </a:effectRef>
-              <a:fontRef idx="minor">
-                <a:schemeClr val="lt1"/>
-              </a:fontRef>
-            </p:style>
-            <p:txBody>
-              <a:bodyPr rtlCol="0" anchor="ctr"/>
-              <a:lstStyle/>
-              <a:p>
-                <a:pPr algn="ctr"/>
-                <a:endParaRPr lang="en-US" sz="1400">
-                  <a:latin typeface="Times New Roman" panose="02020603050405020304" pitchFamily="18" charset="0"/>
-                  <a:cs typeface="Times New Roman" panose="02020603050405020304" pitchFamily="18" charset="0"/>
-                </a:endParaRPr>
-              </a:p>
-            </p:txBody>
-          </p:sp>
-          <p:sp>
-            <p:nvSpPr>
-              <p:cNvPr id="42" name="Oval 41">
-                <a:extLst>
-                  <a:ext uri="{FF2B5EF4-FFF2-40B4-BE49-F238E27FC236}">
-                    <a16:creationId xmlns:a16="http://schemas.microsoft.com/office/drawing/2014/main" id="{E58A666A-ED67-5FD7-8BD8-2DB053C7A925}"/>
-                  </a:ext>
-                </a:extLst>
-              </p:cNvPr>
-              <p:cNvSpPr/>
-              <p:nvPr/>
-            </p:nvSpPr>
-            <p:spPr>
-              <a:xfrm>
-                <a:off x="6528590" y="3385774"/>
-                <a:ext cx="45719" cy="45719"/>
-              </a:xfrm>
-              <a:prstGeom prst="ellipse">
-                <a:avLst/>
-              </a:prstGeom>
-              <a:solidFill>
-                <a:schemeClr val="tx1"/>
-              </a:solidFill>
-              <a:ln>
-                <a:solidFill>
-                  <a:schemeClr val="tx1"/>
-                </a:solidFill>
-              </a:ln>
-            </p:spPr>
-            <p:style>
-              <a:lnRef idx="2">
-                <a:schemeClr val="accent1">
-                  <a:shade val="50000"/>
-                </a:schemeClr>
-              </a:lnRef>
-              <a:fillRef idx="1">
-                <a:schemeClr val="accent1"/>
-              </a:fillRef>
-              <a:effectRef idx="0">
-                <a:schemeClr val="accent1"/>
-              </a:effectRef>
-              <a:fontRef idx="minor">
-                <a:schemeClr val="lt1"/>
-              </a:fontRef>
-            </p:style>
-            <p:txBody>
-              <a:bodyPr rtlCol="0" anchor="ctr"/>
-              <a:lstStyle/>
-              <a:p>
-                <a:pPr algn="ctr"/>
-                <a:endParaRPr lang="en-US" sz="1400">
-                  <a:latin typeface="Times New Roman" panose="02020603050405020304" pitchFamily="18" charset="0"/>
-                  <a:cs typeface="Times New Roman" panose="02020603050405020304" pitchFamily="18" charset="0"/>
-                </a:endParaRPr>
-              </a:p>
-            </p:txBody>
-          </p:sp>
-          <p:sp>
-            <p:nvSpPr>
-              <p:cNvPr id="43" name="Oval 42">
-                <a:extLst>
-                  <a:ext uri="{FF2B5EF4-FFF2-40B4-BE49-F238E27FC236}">
-                    <a16:creationId xmlns:a16="http://schemas.microsoft.com/office/drawing/2014/main" id="{89A24737-4A0A-5BE4-D282-8CF0AF266814}"/>
-                  </a:ext>
-                </a:extLst>
-              </p:cNvPr>
-              <p:cNvSpPr/>
-              <p:nvPr/>
-            </p:nvSpPr>
-            <p:spPr>
-              <a:xfrm>
-                <a:off x="6630094" y="3094916"/>
-                <a:ext cx="45719" cy="45719"/>
-              </a:xfrm>
-              <a:prstGeom prst="ellipse">
-                <a:avLst/>
-              </a:prstGeom>
-              <a:solidFill>
-                <a:schemeClr val="tx1"/>
-              </a:solidFill>
-              <a:ln>
-                <a:solidFill>
-                  <a:schemeClr val="tx1"/>
-                </a:solidFill>
-              </a:ln>
-            </p:spPr>
-            <p:style>
-              <a:lnRef idx="2">
-                <a:schemeClr val="accent1">
-                  <a:shade val="50000"/>
-                </a:schemeClr>
-              </a:lnRef>
-              <a:fillRef idx="1">
-                <a:schemeClr val="accent1"/>
-              </a:fillRef>
-              <a:effectRef idx="0">
-                <a:schemeClr val="accent1"/>
-              </a:effectRef>
-              <a:fontRef idx="minor">
-                <a:schemeClr val="lt1"/>
-              </a:fontRef>
-            </p:style>
-            <p:txBody>
-              <a:bodyPr rtlCol="0" anchor="ctr"/>
-              <a:lstStyle/>
-              <a:p>
-                <a:pPr algn="ctr"/>
-                <a:endParaRPr lang="en-US" sz="1400">
-                  <a:latin typeface="Times New Roman" panose="02020603050405020304" pitchFamily="18" charset="0"/>
-                  <a:cs typeface="Times New Roman" panose="02020603050405020304" pitchFamily="18" charset="0"/>
-                </a:endParaRPr>
-              </a:p>
-            </p:txBody>
-          </p:sp>
-          <p:sp>
-            <p:nvSpPr>
-              <p:cNvPr id="44" name="Oval 43">
-                <a:extLst>
-                  <a:ext uri="{FF2B5EF4-FFF2-40B4-BE49-F238E27FC236}">
-                    <a16:creationId xmlns:a16="http://schemas.microsoft.com/office/drawing/2014/main" id="{CBD65CCC-4C40-C617-1E6E-6FCE9B7F9BD9}"/>
-                  </a:ext>
-                </a:extLst>
-              </p:cNvPr>
-              <p:cNvSpPr/>
-              <p:nvPr/>
-            </p:nvSpPr>
-            <p:spPr>
-              <a:xfrm>
-                <a:off x="6785857" y="3497915"/>
-                <a:ext cx="45719" cy="45719"/>
-              </a:xfrm>
-              <a:prstGeom prst="ellipse">
-                <a:avLst/>
-              </a:prstGeom>
-              <a:solidFill>
-                <a:schemeClr val="tx1"/>
-              </a:solidFill>
-              <a:ln>
-                <a:solidFill>
-                  <a:schemeClr val="tx1"/>
-                </a:solidFill>
-              </a:ln>
-            </p:spPr>
-            <p:style>
-              <a:lnRef idx="2">
-                <a:schemeClr val="accent1">
-                  <a:shade val="50000"/>
-                </a:schemeClr>
-              </a:lnRef>
-              <a:fillRef idx="1">
-                <a:schemeClr val="accent1"/>
-              </a:fillRef>
-              <a:effectRef idx="0">
-                <a:schemeClr val="accent1"/>
-              </a:effectRef>
-              <a:fontRef idx="minor">
-                <a:schemeClr val="lt1"/>
-              </a:fontRef>
-            </p:style>
-            <p:txBody>
-              <a:bodyPr rtlCol="0" anchor="ctr"/>
-              <a:lstStyle/>
-              <a:p>
-                <a:pPr algn="ctr"/>
-                <a:endParaRPr lang="en-US" sz="1400">
-                  <a:latin typeface="Times New Roman" panose="02020603050405020304" pitchFamily="18" charset="0"/>
-                  <a:cs typeface="Times New Roman" panose="02020603050405020304" pitchFamily="18" charset="0"/>
-                </a:endParaRPr>
-              </a:p>
-            </p:txBody>
-          </p:sp>
-          <p:sp>
-            <p:nvSpPr>
-              <p:cNvPr id="45" name="Oval 44">
-                <a:extLst>
-                  <a:ext uri="{FF2B5EF4-FFF2-40B4-BE49-F238E27FC236}">
-                    <a16:creationId xmlns:a16="http://schemas.microsoft.com/office/drawing/2014/main" id="{86134FA7-E746-F438-2728-0514DA6410A6}"/>
-                  </a:ext>
-                </a:extLst>
-              </p:cNvPr>
-              <p:cNvSpPr/>
-              <p:nvPr/>
-            </p:nvSpPr>
-            <p:spPr>
-              <a:xfrm>
-                <a:off x="6896725" y="3340055"/>
-                <a:ext cx="45719" cy="45719"/>
-              </a:xfrm>
-              <a:prstGeom prst="ellipse">
-                <a:avLst/>
-              </a:prstGeom>
-              <a:solidFill>
-                <a:schemeClr val="tx1"/>
-              </a:solidFill>
-              <a:ln>
-                <a:solidFill>
-                  <a:schemeClr val="tx1"/>
-                </a:solidFill>
-              </a:ln>
-            </p:spPr>
-            <p:style>
-              <a:lnRef idx="2">
-                <a:schemeClr val="accent1">
-                  <a:shade val="50000"/>
-                </a:schemeClr>
-              </a:lnRef>
-              <a:fillRef idx="1">
-                <a:schemeClr val="accent1"/>
-              </a:fillRef>
-              <a:effectRef idx="0">
-                <a:schemeClr val="accent1"/>
-              </a:effectRef>
-              <a:fontRef idx="minor">
-                <a:schemeClr val="lt1"/>
-              </a:fontRef>
-            </p:style>
-            <p:txBody>
-              <a:bodyPr rtlCol="0" anchor="ctr"/>
-              <a:lstStyle/>
-              <a:p>
-                <a:pPr algn="ctr"/>
-                <a:endParaRPr lang="en-US" sz="1400">
-                  <a:latin typeface="Times New Roman" panose="02020603050405020304" pitchFamily="18" charset="0"/>
-                  <a:cs typeface="Times New Roman" panose="02020603050405020304" pitchFamily="18" charset="0"/>
-                </a:endParaRPr>
-              </a:p>
-            </p:txBody>
-          </p:sp>
-          <p:sp>
-            <p:nvSpPr>
-              <p:cNvPr id="46" name="Oval 45">
-                <a:extLst>
-                  <a:ext uri="{FF2B5EF4-FFF2-40B4-BE49-F238E27FC236}">
-                    <a16:creationId xmlns:a16="http://schemas.microsoft.com/office/drawing/2014/main" id="{B6F70DCB-E549-3DA7-3E28-C06EBD2131E6}"/>
-                  </a:ext>
-                </a:extLst>
-              </p:cNvPr>
-              <p:cNvSpPr/>
-              <p:nvPr/>
-            </p:nvSpPr>
-            <p:spPr>
-              <a:xfrm>
-                <a:off x="7013499" y="3046269"/>
-                <a:ext cx="45719" cy="45719"/>
-              </a:xfrm>
-              <a:prstGeom prst="ellipse">
-                <a:avLst/>
-              </a:prstGeom>
-              <a:solidFill>
-                <a:schemeClr val="tx1"/>
-              </a:solidFill>
-              <a:ln>
-                <a:solidFill>
-                  <a:schemeClr val="tx1"/>
-                </a:solidFill>
-              </a:ln>
-            </p:spPr>
-            <p:style>
-              <a:lnRef idx="2">
-                <a:schemeClr val="accent1">
-                  <a:shade val="50000"/>
-                </a:schemeClr>
-              </a:lnRef>
-              <a:fillRef idx="1">
-                <a:schemeClr val="accent1"/>
-              </a:fillRef>
-              <a:effectRef idx="0">
-                <a:schemeClr val="accent1"/>
-              </a:effectRef>
-              <a:fontRef idx="minor">
-                <a:schemeClr val="lt1"/>
-              </a:fontRef>
-            </p:style>
-            <p:txBody>
-              <a:bodyPr rtlCol="0" anchor="ctr"/>
-              <a:lstStyle/>
-              <a:p>
-                <a:pPr algn="ctr"/>
-                <a:endParaRPr lang="en-US" sz="1400">
-                  <a:latin typeface="Times New Roman" panose="02020603050405020304" pitchFamily="18" charset="0"/>
-                  <a:cs typeface="Times New Roman" panose="02020603050405020304" pitchFamily="18" charset="0"/>
-                </a:endParaRPr>
-              </a:p>
-            </p:txBody>
-          </p:sp>
-          <p:sp>
-            <p:nvSpPr>
-              <p:cNvPr id="47" name="Oval 46">
-                <a:extLst>
-                  <a:ext uri="{FF2B5EF4-FFF2-40B4-BE49-F238E27FC236}">
-                    <a16:creationId xmlns:a16="http://schemas.microsoft.com/office/drawing/2014/main" id="{8533BDEA-02D9-7F95-1AC2-19FE383E9631}"/>
-                  </a:ext>
-                </a:extLst>
-              </p:cNvPr>
-              <p:cNvSpPr/>
-              <p:nvPr/>
-            </p:nvSpPr>
-            <p:spPr>
-              <a:xfrm>
-                <a:off x="7170619" y="3221509"/>
-                <a:ext cx="45719" cy="45719"/>
-              </a:xfrm>
-              <a:prstGeom prst="ellipse">
-                <a:avLst/>
-              </a:prstGeom>
-              <a:solidFill>
-                <a:schemeClr val="tx1"/>
-              </a:solidFill>
-              <a:ln>
-                <a:solidFill>
-                  <a:schemeClr val="tx1"/>
-                </a:solidFill>
-              </a:ln>
-            </p:spPr>
-            <p:style>
-              <a:lnRef idx="2">
-                <a:schemeClr val="accent1">
-                  <a:shade val="50000"/>
-                </a:schemeClr>
-              </a:lnRef>
-              <a:fillRef idx="1">
-                <a:schemeClr val="accent1"/>
-              </a:fillRef>
-              <a:effectRef idx="0">
-                <a:schemeClr val="accent1"/>
-              </a:effectRef>
-              <a:fontRef idx="minor">
-                <a:schemeClr val="lt1"/>
-              </a:fontRef>
-            </p:style>
-            <p:txBody>
-              <a:bodyPr rtlCol="0" anchor="ctr"/>
-              <a:lstStyle/>
-              <a:p>
-                <a:pPr algn="ctr"/>
-                <a:endParaRPr lang="en-US" sz="1400">
-                  <a:latin typeface="Times New Roman" panose="02020603050405020304" pitchFamily="18" charset="0"/>
-                  <a:cs typeface="Times New Roman" panose="02020603050405020304" pitchFamily="18" charset="0"/>
-                </a:endParaRPr>
-              </a:p>
-            </p:txBody>
-          </p:sp>
-          <p:cxnSp>
-            <p:nvCxnSpPr>
-              <p:cNvPr id="48" name="Straight Connector 47">
-                <a:extLst>
-                  <a:ext uri="{FF2B5EF4-FFF2-40B4-BE49-F238E27FC236}">
-                    <a16:creationId xmlns:a16="http://schemas.microsoft.com/office/drawing/2014/main" id="{3BE09153-74F6-0A58-5CAE-8FCE5EE04955}"/>
-                  </a:ext>
-                </a:extLst>
-              </p:cNvPr>
-              <p:cNvCxnSpPr>
-                <a:cxnSpLocks/>
-              </p:cNvCxnSpPr>
-              <p:nvPr/>
-            </p:nvCxnSpPr>
-            <p:spPr>
-              <a:xfrm flipV="1">
-                <a:off x="5870731" y="2994271"/>
-                <a:ext cx="1503845" cy="736270"/>
-              </a:xfrm>
-              <a:prstGeom prst="line">
-                <a:avLst/>
-              </a:prstGeom>
-              <a:ln>
-                <a:solidFill>
-                  <a:schemeClr val="tx1"/>
-                </a:solidFill>
-                <a:prstDash val="sysDot"/>
-              </a:ln>
-            </p:spPr>
-            <p:style>
-              <a:lnRef idx="1">
-                <a:schemeClr val="accent1"/>
-              </a:lnRef>
-              <a:fillRef idx="0">
-                <a:schemeClr val="accent1"/>
-              </a:fillRef>
-              <a:effectRef idx="0">
-                <a:schemeClr val="accent1"/>
-              </a:effectRef>
-              <a:fontRef idx="minor">
-                <a:schemeClr val="tx1"/>
-              </a:fontRef>
-            </p:style>
-          </p:cxnSp>
-          <p:sp>
-            <p:nvSpPr>
-              <p:cNvPr id="49" name="Oval 48">
-                <a:extLst>
-                  <a:ext uri="{FF2B5EF4-FFF2-40B4-BE49-F238E27FC236}">
-                    <a16:creationId xmlns:a16="http://schemas.microsoft.com/office/drawing/2014/main" id="{1E2B2BE7-A499-26FA-CE8D-485D3C089EB4}"/>
-                  </a:ext>
-                </a:extLst>
-              </p:cNvPr>
-              <p:cNvSpPr/>
-              <p:nvPr/>
-            </p:nvSpPr>
-            <p:spPr>
-              <a:xfrm>
-                <a:off x="7130916" y="3059319"/>
-                <a:ext cx="65034" cy="72690"/>
-              </a:xfrm>
-              <a:prstGeom prst="ellipse">
-                <a:avLst/>
-              </a:prstGeom>
-              <a:noFill/>
-              <a:ln>
-                <a:solidFill>
-                  <a:schemeClr val="tx1"/>
-                </a:solidFill>
-              </a:ln>
-            </p:spPr>
-            <p:style>
-              <a:lnRef idx="2">
-                <a:schemeClr val="accent1">
-                  <a:shade val="50000"/>
-                </a:schemeClr>
-              </a:lnRef>
-              <a:fillRef idx="1">
-                <a:schemeClr val="accent1"/>
-              </a:fillRef>
-              <a:effectRef idx="0">
-                <a:schemeClr val="accent1"/>
-              </a:effectRef>
-              <a:fontRef idx="minor">
-                <a:schemeClr val="lt1"/>
-              </a:fontRef>
-            </p:style>
-            <p:txBody>
-              <a:bodyPr rtlCol="0" anchor="ctr"/>
-              <a:lstStyle/>
-              <a:p>
-                <a:pPr algn="ctr"/>
-                <a:endParaRPr lang="en-US" sz="1400">
-                  <a:latin typeface="Times New Roman" panose="02020603050405020304" pitchFamily="18" charset="0"/>
-                  <a:cs typeface="Times New Roman" panose="02020603050405020304" pitchFamily="18" charset="0"/>
-                </a:endParaRPr>
-              </a:p>
-            </p:txBody>
-          </p:sp>
-        </p:grpSp>
-        <p:sp>
-          <p:nvSpPr>
-            <p:cNvPr id="8" name="TextBox 7">
-              <a:extLst>
-                <a:ext uri="{FF2B5EF4-FFF2-40B4-BE49-F238E27FC236}">
-                  <a16:creationId xmlns:a16="http://schemas.microsoft.com/office/drawing/2014/main" id="{A647B974-268E-D73F-BD7E-7C24DBF7E796}"/>
-                </a:ext>
-              </a:extLst>
-            </p:cNvPr>
-            <p:cNvSpPr txBox="1"/>
-            <p:nvPr/>
-          </p:nvSpPr>
-          <p:spPr>
-            <a:xfrm>
-              <a:off x="1941998" y="2049327"/>
-              <a:ext cx="516167" cy="307777"/>
-            </a:xfrm>
-            <a:prstGeom prst="rect">
-              <a:avLst/>
-            </a:prstGeom>
-            <a:noFill/>
-          </p:spPr>
-          <p:txBody>
-            <a:bodyPr wrap="none" rtlCol="0">
-              <a:spAutoFit/>
-            </a:bodyPr>
-            <a:lstStyle/>
-            <a:p>
-              <a:r>
-                <a:rPr lang="en-US" sz="1400" dirty="0">
-                  <a:latin typeface="Times New Roman" panose="02020603050405020304" pitchFamily="18" charset="0"/>
-                  <a:cs typeface="Times New Roman" panose="02020603050405020304" pitchFamily="18" charset="0"/>
-                </a:rPr>
-                <a:t>Year</a:t>
-              </a:r>
-            </a:p>
-          </p:txBody>
-        </p:sp>
-        <p:sp>
-          <p:nvSpPr>
-            <p:cNvPr id="9" name="TextBox 8">
-              <a:extLst>
-                <a:ext uri="{FF2B5EF4-FFF2-40B4-BE49-F238E27FC236}">
-                  <a16:creationId xmlns:a16="http://schemas.microsoft.com/office/drawing/2014/main" id="{5BC0B73D-E028-81D6-B2C4-5A8646212D1E}"/>
-                </a:ext>
-              </a:extLst>
-            </p:cNvPr>
-            <p:cNvSpPr txBox="1"/>
-            <p:nvPr/>
-          </p:nvSpPr>
-          <p:spPr>
-            <a:xfrm rot="16200000">
-              <a:off x="893213" y="1320748"/>
-              <a:ext cx="359394" cy="307777"/>
-            </a:xfrm>
-            <a:prstGeom prst="rect">
-              <a:avLst/>
-            </a:prstGeom>
-            <a:noFill/>
-          </p:spPr>
-          <p:txBody>
-            <a:bodyPr wrap="none" rtlCol="0">
-              <a:spAutoFit/>
-            </a:bodyPr>
-            <a:lstStyle/>
-            <a:p>
-              <a:r>
-                <a:rPr lang="en-US" sz="1400" dirty="0">
-                  <a:latin typeface="Times New Roman" panose="02020603050405020304" pitchFamily="18" charset="0"/>
-                  <a:cs typeface="Times New Roman" panose="02020603050405020304" pitchFamily="18" charset="0"/>
-                </a:rPr>
-                <a:t>⁰C</a:t>
-              </a:r>
-            </a:p>
-          </p:txBody>
-        </p:sp>
-        <p:sp>
-          <p:nvSpPr>
-            <p:cNvPr id="27" name="TextBox 26">
-              <a:extLst>
-                <a:ext uri="{FF2B5EF4-FFF2-40B4-BE49-F238E27FC236}">
-                  <a16:creationId xmlns:a16="http://schemas.microsoft.com/office/drawing/2014/main" id="{8D4863C0-EBE2-7263-AC27-06515ADA0079}"/>
-                </a:ext>
-              </a:extLst>
-            </p:cNvPr>
-            <p:cNvSpPr txBox="1"/>
-            <p:nvPr/>
-          </p:nvSpPr>
-          <p:spPr>
-            <a:xfrm>
-              <a:off x="1332424" y="735723"/>
-              <a:ext cx="1656607" cy="307777"/>
-            </a:xfrm>
-            <a:prstGeom prst="rect">
-              <a:avLst/>
-            </a:prstGeom>
-            <a:noFill/>
-          </p:spPr>
-          <p:txBody>
-            <a:bodyPr wrap="none" rtlCol="0">
-              <a:spAutoFit/>
-            </a:bodyPr>
-            <a:lstStyle/>
-            <a:p>
-              <a:r>
-                <a:rPr lang="en-US" sz="1400" dirty="0">
-                  <a:latin typeface="Times New Roman" panose="02020603050405020304" pitchFamily="18" charset="0"/>
-                  <a:cs typeface="Times New Roman" panose="02020603050405020304" pitchFamily="18" charset="0"/>
-                </a:rPr>
-                <a:t>Plot X, Visit 1, 2007</a:t>
-              </a:r>
-            </a:p>
-          </p:txBody>
-        </p:sp>
-        <p:sp>
-          <p:nvSpPr>
-            <p:cNvPr id="29" name="TextBox 28">
-              <a:extLst>
-                <a:ext uri="{FF2B5EF4-FFF2-40B4-BE49-F238E27FC236}">
-                  <a16:creationId xmlns:a16="http://schemas.microsoft.com/office/drawing/2014/main" id="{39FAE4BA-C56A-238A-8F23-5A3449FC5B52}"/>
-                </a:ext>
-              </a:extLst>
-            </p:cNvPr>
-            <p:cNvSpPr txBox="1"/>
-            <p:nvPr/>
-          </p:nvSpPr>
-          <p:spPr>
-            <a:xfrm>
-              <a:off x="2535540" y="2277407"/>
-              <a:ext cx="543739" cy="307777"/>
-            </a:xfrm>
-            <a:prstGeom prst="rect">
-              <a:avLst/>
-            </a:prstGeom>
-            <a:noFill/>
-          </p:spPr>
-          <p:txBody>
-            <a:bodyPr wrap="none" rtlCol="0">
-              <a:spAutoFit/>
-            </a:bodyPr>
-            <a:lstStyle/>
-            <a:p>
-              <a:r>
-                <a:rPr lang="en-US" sz="1400" dirty="0">
-                  <a:latin typeface="Times New Roman" panose="02020603050405020304" pitchFamily="18" charset="0"/>
-                  <a:cs typeface="Times New Roman" panose="02020603050405020304" pitchFamily="18" charset="0"/>
-                </a:rPr>
-                <a:t>2007</a:t>
-              </a:r>
-            </a:p>
-          </p:txBody>
-        </p:sp>
-        <p:sp>
-          <p:nvSpPr>
-            <p:cNvPr id="30" name="TextBox 29">
-              <a:extLst>
-                <a:ext uri="{FF2B5EF4-FFF2-40B4-BE49-F238E27FC236}">
-                  <a16:creationId xmlns:a16="http://schemas.microsoft.com/office/drawing/2014/main" id="{D2E15580-7DC6-BB4C-A56D-A66BCCF76C22}"/>
-                </a:ext>
-              </a:extLst>
-            </p:cNvPr>
-            <p:cNvSpPr txBox="1"/>
-            <p:nvPr/>
-          </p:nvSpPr>
-          <p:spPr>
-            <a:xfrm>
-              <a:off x="945211" y="2275765"/>
-              <a:ext cx="543739" cy="307777"/>
-            </a:xfrm>
-            <a:prstGeom prst="rect">
-              <a:avLst/>
-            </a:prstGeom>
-            <a:noFill/>
-          </p:spPr>
-          <p:txBody>
-            <a:bodyPr wrap="none" rtlCol="0">
-              <a:spAutoFit/>
-            </a:bodyPr>
-            <a:lstStyle/>
-            <a:p>
-              <a:r>
-                <a:rPr lang="en-US" sz="1400" dirty="0">
-                  <a:latin typeface="Times New Roman" panose="02020603050405020304" pitchFamily="18" charset="0"/>
-                  <a:cs typeface="Times New Roman" panose="02020603050405020304" pitchFamily="18" charset="0"/>
-                </a:rPr>
-                <a:t>1998</a:t>
-              </a:r>
-            </a:p>
-          </p:txBody>
-        </p:sp>
-        <p:cxnSp>
-          <p:nvCxnSpPr>
-            <p:cNvPr id="33" name="Straight Arrow Connector 32">
-              <a:extLst>
-                <a:ext uri="{FF2B5EF4-FFF2-40B4-BE49-F238E27FC236}">
-                  <a16:creationId xmlns:a16="http://schemas.microsoft.com/office/drawing/2014/main" id="{CEC004CD-1E0C-5009-6D39-A97408FF8E42}"/>
-                </a:ext>
-              </a:extLst>
-            </p:cNvPr>
-            <p:cNvCxnSpPr>
-              <a:cxnSpLocks/>
-              <a:stCxn id="30" idx="0"/>
-            </p:cNvCxnSpPr>
-            <p:nvPr/>
-          </p:nvCxnSpPr>
-          <p:spPr>
-            <a:xfrm flipV="1">
-              <a:off x="1217081" y="1913581"/>
-              <a:ext cx="101254" cy="362184"/>
-            </a:xfrm>
-            <a:prstGeom prst="straightConnector1">
-              <a:avLst/>
-            </a:prstGeom>
-            <a:ln>
-              <a:solidFill>
-                <a:schemeClr val="tx1"/>
-              </a:solidFill>
-              <a:tailEnd type="triangle"/>
-            </a:ln>
-          </p:spPr>
-          <p:style>
-            <a:lnRef idx="1">
-              <a:schemeClr val="accent1"/>
-            </a:lnRef>
-            <a:fillRef idx="0">
-              <a:schemeClr val="accent1"/>
-            </a:fillRef>
-            <a:effectRef idx="0">
-              <a:schemeClr val="accent1"/>
-            </a:effectRef>
-            <a:fontRef idx="minor">
-              <a:schemeClr val="tx1"/>
-            </a:fontRef>
-          </p:style>
-        </p:cxnSp>
-        <p:cxnSp>
-          <p:nvCxnSpPr>
-            <p:cNvPr id="34" name="Straight Arrow Connector 33">
-              <a:extLst>
-                <a:ext uri="{FF2B5EF4-FFF2-40B4-BE49-F238E27FC236}">
-                  <a16:creationId xmlns:a16="http://schemas.microsoft.com/office/drawing/2014/main" id="{48FD01C0-502D-C0B9-C216-E5E25EA5337A}"/>
-                </a:ext>
-              </a:extLst>
-            </p:cNvPr>
-            <p:cNvCxnSpPr>
-              <a:cxnSpLocks/>
-              <a:stCxn id="29" idx="0"/>
-              <a:endCxn id="49" idx="5"/>
-            </p:cNvCxnSpPr>
-            <p:nvPr/>
-          </p:nvCxnSpPr>
-          <p:spPr>
-            <a:xfrm flipH="1" flipV="1">
-              <a:off x="2728618" y="1731977"/>
-              <a:ext cx="78792" cy="545430"/>
-            </a:xfrm>
-            <a:prstGeom prst="straightConnector1">
-              <a:avLst/>
-            </a:prstGeom>
-            <a:ln>
-              <a:solidFill>
-                <a:schemeClr val="tx1"/>
-              </a:solidFill>
-              <a:tailEnd type="triangle"/>
-            </a:ln>
-          </p:spPr>
-          <p:style>
-            <a:lnRef idx="1">
-              <a:schemeClr val="accent1"/>
-            </a:lnRef>
-            <a:fillRef idx="0">
-              <a:schemeClr val="accent1"/>
-            </a:fillRef>
-            <a:effectRef idx="0">
-              <a:schemeClr val="accent1"/>
-            </a:effectRef>
-            <a:fontRef idx="minor">
-              <a:schemeClr val="tx1"/>
-            </a:fontRef>
-          </p:style>
-        </p:cxnSp>
-        <p:grpSp>
-          <p:nvGrpSpPr>
-            <p:cNvPr id="146" name="Group 145">
-              <a:extLst>
-                <a:ext uri="{FF2B5EF4-FFF2-40B4-BE49-F238E27FC236}">
-                  <a16:creationId xmlns:a16="http://schemas.microsoft.com/office/drawing/2014/main" id="{FF920016-0745-3BFF-22CC-435D11706B47}"/>
+                  <a16:creationId xmlns:a16="http://schemas.microsoft.com/office/drawing/2014/main" id="{DF64E122-4B7F-4EFA-4E40-B4DCCD36ABD4}"/>
                 </a:ext>
               </a:extLst>
             </p:cNvPr>
@@ -4472,18 +3360,18 @@
           </p:nvGrpSpPr>
           <p:grpSpPr>
             <a:xfrm>
-              <a:off x="3086135" y="735723"/>
-              <a:ext cx="2390979" cy="1844010"/>
-              <a:chOff x="3128245" y="735723"/>
-              <a:chExt cx="2390979" cy="1844010"/>
+              <a:off x="996434" y="732249"/>
+              <a:ext cx="4408838" cy="1850173"/>
+              <a:chOff x="919021" y="735011"/>
+              <a:chExt cx="4408838" cy="1850173"/>
             </a:xfrm>
           </p:grpSpPr>
           <p:cxnSp>
             <p:nvCxnSpPr>
-              <p:cNvPr id="10" name="Straight Connector 9">
+              <p:cNvPr id="217" name="Straight Connector 216">
                 <a:extLst>
                   <a:ext uri="{FF2B5EF4-FFF2-40B4-BE49-F238E27FC236}">
-                    <a16:creationId xmlns:a16="http://schemas.microsoft.com/office/drawing/2014/main" id="{4E7E27D6-30FC-C90C-E4B3-288B445F1954}"/>
+                    <a16:creationId xmlns:a16="http://schemas.microsoft.com/office/drawing/2014/main" id="{31E4082A-5127-F6D3-9A9A-A9FAA65ECE72}"/>
                   </a:ext>
                 </a:extLst>
               </p:cNvPr>
@@ -4492,7 +3380,7 @@
             </p:nvCxnSpPr>
             <p:spPr>
               <a:xfrm>
-                <a:off x="3444187" y="953309"/>
+                <a:off x="1234963" y="953309"/>
                 <a:ext cx="0" cy="1134094"/>
               </a:xfrm>
               <a:prstGeom prst="line">
@@ -4521,10 +3409,10 @@
           </p:cxnSp>
           <p:cxnSp>
             <p:nvCxnSpPr>
-              <p:cNvPr id="11" name="Straight Connector 10">
+              <p:cNvPr id="218" name="Straight Connector 217">
                 <a:extLst>
                   <a:ext uri="{FF2B5EF4-FFF2-40B4-BE49-F238E27FC236}">
-                    <a16:creationId xmlns:a16="http://schemas.microsoft.com/office/drawing/2014/main" id="{8C264A24-3D20-0341-E4A5-A74B65E50815}"/>
+                    <a16:creationId xmlns:a16="http://schemas.microsoft.com/office/drawing/2014/main" id="{A202664A-AD14-6BE8-F343-4CF7AB93B008}"/>
                   </a:ext>
                 </a:extLst>
               </p:cNvPr>
@@ -4535,7 +3423,7 @@
             </p:nvCxnSpPr>
             <p:spPr>
               <a:xfrm flipH="1">
-                <a:off x="3444187" y="2087403"/>
+                <a:off x="1234963" y="2087403"/>
                 <a:ext cx="1925782" cy="0"/>
               </a:xfrm>
               <a:prstGeom prst="line">
@@ -4562,738 +3450,704 @@
               </a:fontRef>
             </p:style>
           </p:cxnSp>
-          <p:sp>
-            <p:nvSpPr>
-              <p:cNvPr id="12" name="Oval 11">
+          <p:grpSp>
+            <p:nvGrpSpPr>
+              <p:cNvPr id="219" name="Group 218">
                 <a:extLst>
                   <a:ext uri="{FF2B5EF4-FFF2-40B4-BE49-F238E27FC236}">
-                    <a16:creationId xmlns:a16="http://schemas.microsoft.com/office/drawing/2014/main" id="{E221A84F-F460-1548-FC20-62734E852C82}"/>
+                    <a16:creationId xmlns:a16="http://schemas.microsoft.com/office/drawing/2014/main" id="{B8D4D0A7-B02A-ED0A-07BA-B96E8B38C052}"/>
                   </a:ext>
                 </a:extLst>
               </p:cNvPr>
-              <p:cNvSpPr/>
+              <p:cNvGrpSpPr/>
               <p:nvPr/>
-            </p:nvSpPr>
-            <p:spPr>
-              <a:xfrm>
-                <a:off x="3556278" y="1652991"/>
-                <a:ext cx="45719" cy="45719"/>
+            </p:nvGrpSpPr>
+            <p:grpSpPr>
+              <a:xfrm rot="909238">
+                <a:off x="1262301" y="1514174"/>
+                <a:ext cx="1814297" cy="609839"/>
+                <a:chOff x="5762326" y="3046704"/>
+                <a:chExt cx="1814297" cy="609839"/>
               </a:xfrm>
-              <a:prstGeom prst="ellipse">
-                <a:avLst/>
-              </a:prstGeom>
-              <a:solidFill>
-                <a:schemeClr val="tx1"/>
-              </a:solidFill>
-              <a:ln>
+            </p:grpSpPr>
+            <p:sp>
+              <p:nvSpPr>
+                <p:cNvPr id="248" name="Oval 247">
+                  <a:extLst>
+                    <a:ext uri="{FF2B5EF4-FFF2-40B4-BE49-F238E27FC236}">
+                      <a16:creationId xmlns:a16="http://schemas.microsoft.com/office/drawing/2014/main" id="{3FD0593B-F49A-EAE5-C01B-6DCA6AC2FE95}"/>
+                    </a:ext>
+                  </a:extLst>
+                </p:cNvPr>
+                <p:cNvSpPr/>
+                <p:nvPr/>
+              </p:nvSpPr>
+              <p:spPr>
+                <a:xfrm>
+                  <a:off x="5847872" y="3610824"/>
+                  <a:ext cx="45719" cy="45719"/>
+                </a:xfrm>
+                <a:prstGeom prst="ellipse">
+                  <a:avLst/>
+                </a:prstGeom>
                 <a:solidFill>
                   <a:schemeClr val="tx1"/>
                 </a:solidFill>
-              </a:ln>
-            </p:spPr>
-            <p:style>
-              <a:lnRef idx="2">
-                <a:schemeClr val="accent1">
-                  <a:shade val="50000"/>
-                </a:schemeClr>
-              </a:lnRef>
-              <a:fillRef idx="1">
-                <a:schemeClr val="accent1"/>
-              </a:fillRef>
-              <a:effectRef idx="0">
-                <a:schemeClr val="accent1"/>
-              </a:effectRef>
-              <a:fontRef idx="minor">
-                <a:schemeClr val="lt1"/>
-              </a:fontRef>
-            </p:style>
-            <p:txBody>
-              <a:bodyPr rtlCol="0" anchor="ctr"/>
-              <a:lstStyle/>
-              <a:p>
-                <a:pPr algn="ctr"/>
-                <a:endParaRPr lang="en-US" sz="1400">
-                  <a:latin typeface="Times New Roman" panose="02020603050405020304" pitchFamily="18" charset="0"/>
-                  <a:cs typeface="Times New Roman" panose="02020603050405020304" pitchFamily="18" charset="0"/>
-                </a:endParaRPr>
-              </a:p>
-            </p:txBody>
-          </p:sp>
-          <p:sp>
-            <p:nvSpPr>
-              <p:cNvPr id="13" name="Oval 12">
-                <a:extLst>
-                  <a:ext uri="{FF2B5EF4-FFF2-40B4-BE49-F238E27FC236}">
-                    <a16:creationId xmlns:a16="http://schemas.microsoft.com/office/drawing/2014/main" id="{A26CB717-E2E7-38C7-824C-C679BE30DACC}"/>
-                  </a:ext>
-                </a:extLst>
-              </p:cNvPr>
-              <p:cNvSpPr/>
-              <p:nvPr/>
-            </p:nvSpPr>
-            <p:spPr>
-              <a:xfrm>
-                <a:off x="3718094" y="1646080"/>
-                <a:ext cx="45719" cy="45719"/>
-              </a:xfrm>
-              <a:prstGeom prst="ellipse">
-                <a:avLst/>
-              </a:prstGeom>
-              <a:solidFill>
-                <a:schemeClr val="tx1"/>
-              </a:solidFill>
-              <a:ln>
+                <a:ln>
+                  <a:solidFill>
+                    <a:schemeClr val="tx1"/>
+                  </a:solidFill>
+                </a:ln>
+              </p:spPr>
+              <p:style>
+                <a:lnRef idx="2">
+                  <a:schemeClr val="accent1">
+                    <a:shade val="50000"/>
+                  </a:schemeClr>
+                </a:lnRef>
+                <a:fillRef idx="1">
+                  <a:schemeClr val="accent1"/>
+                </a:fillRef>
+                <a:effectRef idx="0">
+                  <a:schemeClr val="accent1"/>
+                </a:effectRef>
+                <a:fontRef idx="minor">
+                  <a:schemeClr val="lt1"/>
+                </a:fontRef>
+              </p:style>
+              <p:txBody>
+                <a:bodyPr rtlCol="0" anchor="ctr"/>
+                <a:lstStyle/>
+                <a:p>
+                  <a:pPr algn="ctr"/>
+                  <a:endParaRPr lang="en-US" sz="1400">
+                    <a:latin typeface="Times New Roman" panose="02020603050405020304" pitchFamily="18" charset="0"/>
+                    <a:cs typeface="Times New Roman" panose="02020603050405020304" pitchFamily="18" charset="0"/>
+                  </a:endParaRPr>
+                </a:p>
+              </p:txBody>
+            </p:sp>
+            <p:sp>
+              <p:nvSpPr>
+                <p:cNvPr id="249" name="Oval 248">
+                  <a:extLst>
+                    <a:ext uri="{FF2B5EF4-FFF2-40B4-BE49-F238E27FC236}">
+                      <a16:creationId xmlns:a16="http://schemas.microsoft.com/office/drawing/2014/main" id="{DDB017D8-E639-DFC7-2109-8D2403CA3C2D}"/>
+                    </a:ext>
+                  </a:extLst>
+                </p:cNvPr>
+                <p:cNvSpPr/>
+                <p:nvPr/>
+              </p:nvSpPr>
+              <p:spPr>
+                <a:xfrm>
+                  <a:off x="6014915" y="3566494"/>
+                  <a:ext cx="45719" cy="45719"/>
+                </a:xfrm>
+                <a:prstGeom prst="ellipse">
+                  <a:avLst/>
+                </a:prstGeom>
                 <a:solidFill>
                   <a:schemeClr val="tx1"/>
                 </a:solidFill>
-              </a:ln>
-            </p:spPr>
-            <p:style>
-              <a:lnRef idx="2">
-                <a:schemeClr val="accent1">
-                  <a:shade val="50000"/>
-                </a:schemeClr>
-              </a:lnRef>
-              <a:fillRef idx="1">
-                <a:schemeClr val="accent1"/>
-              </a:fillRef>
-              <a:effectRef idx="0">
-                <a:schemeClr val="accent1"/>
-              </a:effectRef>
-              <a:fontRef idx="minor">
-                <a:schemeClr val="lt1"/>
-              </a:fontRef>
-            </p:style>
-            <p:txBody>
-              <a:bodyPr rtlCol="0" anchor="ctr"/>
-              <a:lstStyle/>
-              <a:p>
-                <a:pPr algn="ctr"/>
-                <a:endParaRPr lang="en-US" sz="1400">
-                  <a:latin typeface="Times New Roman" panose="02020603050405020304" pitchFamily="18" charset="0"/>
-                  <a:cs typeface="Times New Roman" panose="02020603050405020304" pitchFamily="18" charset="0"/>
-                </a:endParaRPr>
-              </a:p>
-            </p:txBody>
-          </p:sp>
-          <p:sp>
-            <p:nvSpPr>
-              <p:cNvPr id="14" name="Oval 13">
-                <a:extLst>
-                  <a:ext uri="{FF2B5EF4-FFF2-40B4-BE49-F238E27FC236}">
-                    <a16:creationId xmlns:a16="http://schemas.microsoft.com/office/drawing/2014/main" id="{6D160B70-6896-3834-4E5C-16A5DE1AF3BA}"/>
-                  </a:ext>
-                </a:extLst>
-              </p:cNvPr>
-              <p:cNvSpPr/>
-              <p:nvPr/>
-            </p:nvSpPr>
-            <p:spPr>
-              <a:xfrm>
-                <a:off x="3890364" y="1601542"/>
-                <a:ext cx="45719" cy="45719"/>
-              </a:xfrm>
-              <a:prstGeom prst="ellipse">
-                <a:avLst/>
-              </a:prstGeom>
-              <a:solidFill>
-                <a:schemeClr val="tx1"/>
-              </a:solidFill>
-              <a:ln>
+                <a:ln>
+                  <a:solidFill>
+                    <a:schemeClr val="tx1"/>
+                  </a:solidFill>
+                </a:ln>
+              </p:spPr>
+              <p:style>
+                <a:lnRef idx="2">
+                  <a:schemeClr val="accent1">
+                    <a:shade val="50000"/>
+                  </a:schemeClr>
+                </a:lnRef>
+                <a:fillRef idx="1">
+                  <a:schemeClr val="accent1"/>
+                </a:fillRef>
+                <a:effectRef idx="0">
+                  <a:schemeClr val="accent1"/>
+                </a:effectRef>
+                <a:fontRef idx="minor">
+                  <a:schemeClr val="lt1"/>
+                </a:fontRef>
+              </p:style>
+              <p:txBody>
+                <a:bodyPr rtlCol="0" anchor="ctr"/>
+                <a:lstStyle/>
+                <a:p>
+                  <a:pPr algn="ctr"/>
+                  <a:endParaRPr lang="en-US" sz="1400">
+                    <a:latin typeface="Times New Roman" panose="02020603050405020304" pitchFamily="18" charset="0"/>
+                    <a:cs typeface="Times New Roman" panose="02020603050405020304" pitchFamily="18" charset="0"/>
+                  </a:endParaRPr>
+                </a:p>
+              </p:txBody>
+            </p:sp>
+            <p:sp>
+              <p:nvSpPr>
+                <p:cNvPr id="250" name="Oval 249">
+                  <a:extLst>
+                    <a:ext uri="{FF2B5EF4-FFF2-40B4-BE49-F238E27FC236}">
+                      <a16:creationId xmlns:a16="http://schemas.microsoft.com/office/drawing/2014/main" id="{F9BD4413-CD86-6DD5-E275-689019E9963C}"/>
+                    </a:ext>
+                  </a:extLst>
+                </p:cNvPr>
+                <p:cNvSpPr/>
+                <p:nvPr/>
+              </p:nvSpPr>
+              <p:spPr>
+                <a:xfrm>
+                  <a:off x="6181958" y="3594494"/>
+                  <a:ext cx="45719" cy="45719"/>
+                </a:xfrm>
+                <a:prstGeom prst="ellipse">
+                  <a:avLst/>
+                </a:prstGeom>
                 <a:solidFill>
                   <a:schemeClr val="tx1"/>
                 </a:solidFill>
-              </a:ln>
-            </p:spPr>
-            <p:style>
-              <a:lnRef idx="2">
-                <a:schemeClr val="accent1">
-                  <a:shade val="50000"/>
-                </a:schemeClr>
-              </a:lnRef>
-              <a:fillRef idx="1">
-                <a:schemeClr val="accent1"/>
-              </a:fillRef>
-              <a:effectRef idx="0">
-                <a:schemeClr val="accent1"/>
-              </a:effectRef>
-              <a:fontRef idx="minor">
-                <a:schemeClr val="lt1"/>
-              </a:fontRef>
-            </p:style>
-            <p:txBody>
-              <a:bodyPr rtlCol="0" anchor="ctr"/>
-              <a:lstStyle/>
-              <a:p>
-                <a:pPr algn="ctr"/>
-                <a:endParaRPr lang="en-US" sz="1400">
-                  <a:latin typeface="Times New Roman" panose="02020603050405020304" pitchFamily="18" charset="0"/>
-                  <a:cs typeface="Times New Roman" panose="02020603050405020304" pitchFamily="18" charset="0"/>
-                </a:endParaRPr>
-              </a:p>
-            </p:txBody>
-          </p:sp>
-          <p:sp>
-            <p:nvSpPr>
-              <p:cNvPr id="15" name="Oval 14">
-                <a:extLst>
-                  <a:ext uri="{FF2B5EF4-FFF2-40B4-BE49-F238E27FC236}">
-                    <a16:creationId xmlns:a16="http://schemas.microsoft.com/office/drawing/2014/main" id="{359B954E-DC6F-C0C8-DCA9-DA6BB3BBA200}"/>
-                  </a:ext>
-                </a:extLst>
-              </p:cNvPr>
-              <p:cNvSpPr/>
-              <p:nvPr/>
-            </p:nvSpPr>
-            <p:spPr>
-              <a:xfrm>
-                <a:off x="3963892" y="1473149"/>
-                <a:ext cx="45719" cy="45719"/>
-              </a:xfrm>
-              <a:prstGeom prst="ellipse">
-                <a:avLst/>
-              </a:prstGeom>
-              <a:solidFill>
-                <a:schemeClr val="tx1"/>
-              </a:solidFill>
-              <a:ln>
+                <a:ln>
+                  <a:solidFill>
+                    <a:schemeClr val="tx1"/>
+                  </a:solidFill>
+                </a:ln>
+              </p:spPr>
+              <p:style>
+                <a:lnRef idx="2">
+                  <a:schemeClr val="accent1">
+                    <a:shade val="50000"/>
+                  </a:schemeClr>
+                </a:lnRef>
+                <a:fillRef idx="1">
+                  <a:schemeClr val="accent1"/>
+                </a:fillRef>
+                <a:effectRef idx="0">
+                  <a:schemeClr val="accent1"/>
+                </a:effectRef>
+                <a:fontRef idx="minor">
+                  <a:schemeClr val="lt1"/>
+                </a:fontRef>
+              </p:style>
+              <p:txBody>
+                <a:bodyPr rtlCol="0" anchor="ctr"/>
+                <a:lstStyle/>
+                <a:p>
+                  <a:pPr algn="ctr"/>
+                  <a:endParaRPr lang="en-US" sz="1400">
+                    <a:latin typeface="Times New Roman" panose="02020603050405020304" pitchFamily="18" charset="0"/>
+                    <a:cs typeface="Times New Roman" panose="02020603050405020304" pitchFamily="18" charset="0"/>
+                  </a:endParaRPr>
+                </a:p>
+              </p:txBody>
+            </p:sp>
+            <p:sp>
+              <p:nvSpPr>
+                <p:cNvPr id="251" name="Oval 250">
+                  <a:extLst>
+                    <a:ext uri="{FF2B5EF4-FFF2-40B4-BE49-F238E27FC236}">
+                      <a16:creationId xmlns:a16="http://schemas.microsoft.com/office/drawing/2014/main" id="{39910448-EF23-68E4-00EE-5681723D6222}"/>
+                    </a:ext>
+                  </a:extLst>
+                </p:cNvPr>
+                <p:cNvSpPr/>
+                <p:nvPr/>
+              </p:nvSpPr>
+              <p:spPr>
+                <a:xfrm>
+                  <a:off x="6258197" y="3407231"/>
+                  <a:ext cx="45719" cy="45719"/>
+                </a:xfrm>
+                <a:prstGeom prst="ellipse">
+                  <a:avLst/>
+                </a:prstGeom>
                 <a:solidFill>
                   <a:schemeClr val="tx1"/>
                 </a:solidFill>
-              </a:ln>
-            </p:spPr>
-            <p:style>
-              <a:lnRef idx="2">
-                <a:schemeClr val="accent1">
-                  <a:shade val="50000"/>
-                </a:schemeClr>
-              </a:lnRef>
-              <a:fillRef idx="1">
-                <a:schemeClr val="accent1"/>
-              </a:fillRef>
-              <a:effectRef idx="0">
-                <a:schemeClr val="accent1"/>
-              </a:effectRef>
-              <a:fontRef idx="minor">
-                <a:schemeClr val="lt1"/>
-              </a:fontRef>
-            </p:style>
-            <p:txBody>
-              <a:bodyPr rtlCol="0" anchor="ctr"/>
-              <a:lstStyle/>
-              <a:p>
-                <a:pPr algn="ctr"/>
-                <a:endParaRPr lang="en-US" sz="1400">
-                  <a:latin typeface="Times New Roman" panose="02020603050405020304" pitchFamily="18" charset="0"/>
-                  <a:cs typeface="Times New Roman" panose="02020603050405020304" pitchFamily="18" charset="0"/>
-                </a:endParaRPr>
-              </a:p>
-            </p:txBody>
-          </p:sp>
-          <p:sp>
-            <p:nvSpPr>
-              <p:cNvPr id="16" name="Oval 15">
-                <a:extLst>
-                  <a:ext uri="{FF2B5EF4-FFF2-40B4-BE49-F238E27FC236}">
-                    <a16:creationId xmlns:a16="http://schemas.microsoft.com/office/drawing/2014/main" id="{665C05DB-1BA1-1E63-531D-2246A3E96F67}"/>
-                  </a:ext>
-                </a:extLst>
-              </p:cNvPr>
-              <p:cNvSpPr/>
-              <p:nvPr/>
-            </p:nvSpPr>
-            <p:spPr>
-              <a:xfrm>
-                <a:off x="4120222" y="1562942"/>
-                <a:ext cx="45719" cy="45719"/>
-              </a:xfrm>
-              <a:prstGeom prst="ellipse">
-                <a:avLst/>
-              </a:prstGeom>
-              <a:solidFill>
-                <a:schemeClr val="tx1"/>
-              </a:solidFill>
-              <a:ln>
+                <a:ln>
+                  <a:solidFill>
+                    <a:schemeClr val="tx1"/>
+                  </a:solidFill>
+                </a:ln>
+              </p:spPr>
+              <p:style>
+                <a:lnRef idx="2">
+                  <a:schemeClr val="accent1">
+                    <a:shade val="50000"/>
+                  </a:schemeClr>
+                </a:lnRef>
+                <a:fillRef idx="1">
+                  <a:schemeClr val="accent1"/>
+                </a:fillRef>
+                <a:effectRef idx="0">
+                  <a:schemeClr val="accent1"/>
+                </a:effectRef>
+                <a:fontRef idx="minor">
+                  <a:schemeClr val="lt1"/>
+                </a:fontRef>
+              </p:style>
+              <p:txBody>
+                <a:bodyPr rtlCol="0" anchor="ctr"/>
+                <a:lstStyle/>
+                <a:p>
+                  <a:pPr algn="ctr"/>
+                  <a:endParaRPr lang="en-US" sz="1400">
+                    <a:latin typeface="Times New Roman" panose="02020603050405020304" pitchFamily="18" charset="0"/>
+                    <a:cs typeface="Times New Roman" panose="02020603050405020304" pitchFamily="18" charset="0"/>
+                  </a:endParaRPr>
+                </a:p>
+              </p:txBody>
+            </p:sp>
+            <p:sp>
+              <p:nvSpPr>
+                <p:cNvPr id="252" name="Oval 251">
+                  <a:extLst>
+                    <a:ext uri="{FF2B5EF4-FFF2-40B4-BE49-F238E27FC236}">
+                      <a16:creationId xmlns:a16="http://schemas.microsoft.com/office/drawing/2014/main" id="{608C88B9-8561-9617-E635-A9AD8A50A260}"/>
+                    </a:ext>
+                  </a:extLst>
+                </p:cNvPr>
+                <p:cNvSpPr/>
+                <p:nvPr/>
+              </p:nvSpPr>
+              <p:spPr>
+                <a:xfrm>
+                  <a:off x="6411816" y="3520775"/>
+                  <a:ext cx="45719" cy="45719"/>
+                </a:xfrm>
+                <a:prstGeom prst="ellipse">
+                  <a:avLst/>
+                </a:prstGeom>
                 <a:solidFill>
                   <a:schemeClr val="tx1"/>
                 </a:solidFill>
-              </a:ln>
-            </p:spPr>
-            <p:style>
-              <a:lnRef idx="2">
-                <a:schemeClr val="accent1">
-                  <a:shade val="50000"/>
-                </a:schemeClr>
-              </a:lnRef>
-              <a:fillRef idx="1">
-                <a:schemeClr val="accent1"/>
-              </a:fillRef>
-              <a:effectRef idx="0">
-                <a:schemeClr val="accent1"/>
-              </a:effectRef>
-              <a:fontRef idx="minor">
-                <a:schemeClr val="lt1"/>
-              </a:fontRef>
-            </p:style>
-            <p:txBody>
-              <a:bodyPr rtlCol="0" anchor="ctr"/>
-              <a:lstStyle/>
-              <a:p>
-                <a:pPr algn="ctr"/>
-                <a:endParaRPr lang="en-US" sz="1400">
-                  <a:latin typeface="Times New Roman" panose="02020603050405020304" pitchFamily="18" charset="0"/>
-                  <a:cs typeface="Times New Roman" panose="02020603050405020304" pitchFamily="18" charset="0"/>
-                </a:endParaRPr>
-              </a:p>
-            </p:txBody>
-          </p:sp>
-          <p:sp>
-            <p:nvSpPr>
-              <p:cNvPr id="17" name="Oval 16">
-                <a:extLst>
-                  <a:ext uri="{FF2B5EF4-FFF2-40B4-BE49-F238E27FC236}">
-                    <a16:creationId xmlns:a16="http://schemas.microsoft.com/office/drawing/2014/main" id="{58A3A0C3-8ED3-8C01-B8D3-F82359542EF1}"/>
-                  </a:ext>
-                </a:extLst>
-              </p:cNvPr>
-              <p:cNvSpPr/>
-              <p:nvPr/>
-            </p:nvSpPr>
-            <p:spPr>
-              <a:xfrm>
-                <a:off x="4236996" y="1427941"/>
-                <a:ext cx="45719" cy="45719"/>
-              </a:xfrm>
-              <a:prstGeom prst="ellipse">
-                <a:avLst/>
-              </a:prstGeom>
-              <a:solidFill>
-                <a:schemeClr val="tx1"/>
-              </a:solidFill>
-              <a:ln>
+                <a:ln>
+                  <a:solidFill>
+                    <a:schemeClr val="tx1"/>
+                  </a:solidFill>
+                </a:ln>
+              </p:spPr>
+              <p:style>
+                <a:lnRef idx="2">
+                  <a:schemeClr val="accent1">
+                    <a:shade val="50000"/>
+                  </a:schemeClr>
+                </a:lnRef>
+                <a:fillRef idx="1">
+                  <a:schemeClr val="accent1"/>
+                </a:fillRef>
+                <a:effectRef idx="0">
+                  <a:schemeClr val="accent1"/>
+                </a:effectRef>
+                <a:fontRef idx="minor">
+                  <a:schemeClr val="lt1"/>
+                </a:fontRef>
+              </p:style>
+              <p:txBody>
+                <a:bodyPr rtlCol="0" anchor="ctr"/>
+                <a:lstStyle/>
+                <a:p>
+                  <a:pPr algn="ctr"/>
+                  <a:endParaRPr lang="en-US" sz="1400">
+                    <a:latin typeface="Times New Roman" panose="02020603050405020304" pitchFamily="18" charset="0"/>
+                    <a:cs typeface="Times New Roman" panose="02020603050405020304" pitchFamily="18" charset="0"/>
+                  </a:endParaRPr>
+                </a:p>
+              </p:txBody>
+            </p:sp>
+            <p:sp>
+              <p:nvSpPr>
+                <p:cNvPr id="253" name="Oval 252">
+                  <a:extLst>
+                    <a:ext uri="{FF2B5EF4-FFF2-40B4-BE49-F238E27FC236}">
+                      <a16:creationId xmlns:a16="http://schemas.microsoft.com/office/drawing/2014/main" id="{6661234D-F5DA-1740-298C-0AF7C14C4BD8}"/>
+                    </a:ext>
+                  </a:extLst>
+                </p:cNvPr>
+                <p:cNvSpPr/>
+                <p:nvPr/>
+              </p:nvSpPr>
+              <p:spPr>
+                <a:xfrm>
+                  <a:off x="6528590" y="3385774"/>
+                  <a:ext cx="45719" cy="45719"/>
+                </a:xfrm>
+                <a:prstGeom prst="ellipse">
+                  <a:avLst/>
+                </a:prstGeom>
                 <a:solidFill>
                   <a:schemeClr val="tx1"/>
                 </a:solidFill>
-              </a:ln>
-            </p:spPr>
-            <p:style>
-              <a:lnRef idx="2">
-                <a:schemeClr val="accent1">
-                  <a:shade val="50000"/>
-                </a:schemeClr>
-              </a:lnRef>
-              <a:fillRef idx="1">
-                <a:schemeClr val="accent1"/>
-              </a:fillRef>
-              <a:effectRef idx="0">
-                <a:schemeClr val="accent1"/>
-              </a:effectRef>
-              <a:fontRef idx="minor">
-                <a:schemeClr val="lt1"/>
-              </a:fontRef>
-            </p:style>
-            <p:txBody>
-              <a:bodyPr rtlCol="0" anchor="ctr"/>
-              <a:lstStyle/>
-              <a:p>
-                <a:pPr algn="ctr"/>
-                <a:endParaRPr lang="en-US" sz="1400">
-                  <a:latin typeface="Times New Roman" panose="02020603050405020304" pitchFamily="18" charset="0"/>
-                  <a:cs typeface="Times New Roman" panose="02020603050405020304" pitchFamily="18" charset="0"/>
-                </a:endParaRPr>
-              </a:p>
-            </p:txBody>
-          </p:sp>
-          <p:sp>
-            <p:nvSpPr>
-              <p:cNvPr id="18" name="Oval 17">
-                <a:extLst>
-                  <a:ext uri="{FF2B5EF4-FFF2-40B4-BE49-F238E27FC236}">
-                    <a16:creationId xmlns:a16="http://schemas.microsoft.com/office/drawing/2014/main" id="{FDD8593C-2518-EC3F-69D8-E9B6B9F707CD}"/>
-                  </a:ext>
-                </a:extLst>
-              </p:cNvPr>
-              <p:cNvSpPr/>
-              <p:nvPr/>
-            </p:nvSpPr>
-            <p:spPr>
-              <a:xfrm>
-                <a:off x="4346387" y="1191313"/>
-                <a:ext cx="45719" cy="45719"/>
-              </a:xfrm>
-              <a:prstGeom prst="ellipse">
-                <a:avLst/>
-              </a:prstGeom>
-              <a:solidFill>
-                <a:schemeClr val="tx1"/>
-              </a:solidFill>
-              <a:ln>
+                <a:ln>
+                  <a:solidFill>
+                    <a:schemeClr val="tx1"/>
+                  </a:solidFill>
+                </a:ln>
+              </p:spPr>
+              <p:style>
+                <a:lnRef idx="2">
+                  <a:schemeClr val="accent1">
+                    <a:shade val="50000"/>
+                  </a:schemeClr>
+                </a:lnRef>
+                <a:fillRef idx="1">
+                  <a:schemeClr val="accent1"/>
+                </a:fillRef>
+                <a:effectRef idx="0">
+                  <a:schemeClr val="accent1"/>
+                </a:effectRef>
+                <a:fontRef idx="minor">
+                  <a:schemeClr val="lt1"/>
+                </a:fontRef>
+              </p:style>
+              <p:txBody>
+                <a:bodyPr rtlCol="0" anchor="ctr"/>
+                <a:lstStyle/>
+                <a:p>
+                  <a:pPr algn="ctr"/>
+                  <a:endParaRPr lang="en-US" sz="1400">
+                    <a:latin typeface="Times New Roman" panose="02020603050405020304" pitchFamily="18" charset="0"/>
+                    <a:cs typeface="Times New Roman" panose="02020603050405020304" pitchFamily="18" charset="0"/>
+                  </a:endParaRPr>
+                </a:p>
+              </p:txBody>
+            </p:sp>
+            <p:sp>
+              <p:nvSpPr>
+                <p:cNvPr id="254" name="Oval 253">
+                  <a:extLst>
+                    <a:ext uri="{FF2B5EF4-FFF2-40B4-BE49-F238E27FC236}">
+                      <a16:creationId xmlns:a16="http://schemas.microsoft.com/office/drawing/2014/main" id="{6B817BC0-D6EA-7CAE-2E02-A20D1EECED8C}"/>
+                    </a:ext>
+                  </a:extLst>
+                </p:cNvPr>
+                <p:cNvSpPr/>
+                <p:nvPr/>
+              </p:nvSpPr>
+              <p:spPr>
+                <a:xfrm>
+                  <a:off x="6630094" y="3094916"/>
+                  <a:ext cx="45719" cy="45719"/>
+                </a:xfrm>
+                <a:prstGeom prst="ellipse">
+                  <a:avLst/>
+                </a:prstGeom>
                 <a:solidFill>
                   <a:schemeClr val="tx1"/>
                 </a:solidFill>
-              </a:ln>
-            </p:spPr>
-            <p:style>
-              <a:lnRef idx="2">
-                <a:schemeClr val="accent1">
-                  <a:shade val="50000"/>
-                </a:schemeClr>
-              </a:lnRef>
-              <a:fillRef idx="1">
-                <a:schemeClr val="accent1"/>
-              </a:fillRef>
-              <a:effectRef idx="0">
-                <a:schemeClr val="accent1"/>
-              </a:effectRef>
-              <a:fontRef idx="minor">
-                <a:schemeClr val="lt1"/>
-              </a:fontRef>
-            </p:style>
-            <p:txBody>
-              <a:bodyPr rtlCol="0" anchor="ctr"/>
-              <a:lstStyle/>
-              <a:p>
-                <a:pPr algn="ctr"/>
-                <a:endParaRPr lang="en-US" sz="1400">
-                  <a:latin typeface="Times New Roman" panose="02020603050405020304" pitchFamily="18" charset="0"/>
-                  <a:cs typeface="Times New Roman" panose="02020603050405020304" pitchFamily="18" charset="0"/>
-                </a:endParaRPr>
-              </a:p>
-            </p:txBody>
-          </p:sp>
-          <p:sp>
-            <p:nvSpPr>
-              <p:cNvPr id="19" name="Oval 18">
-                <a:extLst>
-                  <a:ext uri="{FF2B5EF4-FFF2-40B4-BE49-F238E27FC236}">
-                    <a16:creationId xmlns:a16="http://schemas.microsoft.com/office/drawing/2014/main" id="{DE88F050-293F-EA72-65FC-909B150D78C2}"/>
-                  </a:ext>
-                </a:extLst>
-              </p:cNvPr>
-              <p:cNvSpPr/>
-              <p:nvPr/>
-            </p:nvSpPr>
-            <p:spPr>
-              <a:xfrm>
-                <a:off x="4493569" y="1462997"/>
-                <a:ext cx="45719" cy="45719"/>
-              </a:xfrm>
-              <a:prstGeom prst="ellipse">
-                <a:avLst/>
-              </a:prstGeom>
-              <a:solidFill>
-                <a:schemeClr val="tx1"/>
-              </a:solidFill>
-              <a:ln>
+                <a:ln>
+                  <a:solidFill>
+                    <a:schemeClr val="tx1"/>
+                  </a:solidFill>
+                </a:ln>
+              </p:spPr>
+              <p:style>
+                <a:lnRef idx="2">
+                  <a:schemeClr val="accent1">
+                    <a:shade val="50000"/>
+                  </a:schemeClr>
+                </a:lnRef>
+                <a:fillRef idx="1">
+                  <a:schemeClr val="accent1"/>
+                </a:fillRef>
+                <a:effectRef idx="0">
+                  <a:schemeClr val="accent1"/>
+                </a:effectRef>
+                <a:fontRef idx="minor">
+                  <a:schemeClr val="lt1"/>
+                </a:fontRef>
+              </p:style>
+              <p:txBody>
+                <a:bodyPr rtlCol="0" anchor="ctr"/>
+                <a:lstStyle/>
+                <a:p>
+                  <a:pPr algn="ctr"/>
+                  <a:endParaRPr lang="en-US" sz="1400">
+                    <a:latin typeface="Times New Roman" panose="02020603050405020304" pitchFamily="18" charset="0"/>
+                    <a:cs typeface="Times New Roman" panose="02020603050405020304" pitchFamily="18" charset="0"/>
+                  </a:endParaRPr>
+                </a:p>
+              </p:txBody>
+            </p:sp>
+            <p:sp>
+              <p:nvSpPr>
+                <p:cNvPr id="255" name="Oval 254">
+                  <a:extLst>
+                    <a:ext uri="{FF2B5EF4-FFF2-40B4-BE49-F238E27FC236}">
+                      <a16:creationId xmlns:a16="http://schemas.microsoft.com/office/drawing/2014/main" id="{CE6D07DF-C5B9-8048-DEDF-EEDD56EB6CFA}"/>
+                    </a:ext>
+                  </a:extLst>
+                </p:cNvPr>
+                <p:cNvSpPr/>
+                <p:nvPr/>
+              </p:nvSpPr>
+              <p:spPr>
+                <a:xfrm>
+                  <a:off x="6785857" y="3497915"/>
+                  <a:ext cx="45719" cy="45719"/>
+                </a:xfrm>
+                <a:prstGeom prst="ellipse">
+                  <a:avLst/>
+                </a:prstGeom>
                 <a:solidFill>
                   <a:schemeClr val="tx1"/>
                 </a:solidFill>
-              </a:ln>
-            </p:spPr>
-            <p:style>
-              <a:lnRef idx="2">
-                <a:schemeClr val="accent1">
-                  <a:shade val="50000"/>
-                </a:schemeClr>
-              </a:lnRef>
-              <a:fillRef idx="1">
-                <a:schemeClr val="accent1"/>
-              </a:fillRef>
-              <a:effectRef idx="0">
-                <a:schemeClr val="accent1"/>
-              </a:effectRef>
-              <a:fontRef idx="minor">
-                <a:schemeClr val="lt1"/>
-              </a:fontRef>
-            </p:style>
-            <p:txBody>
-              <a:bodyPr rtlCol="0" anchor="ctr"/>
-              <a:lstStyle/>
-              <a:p>
-                <a:pPr algn="ctr"/>
-                <a:endParaRPr lang="en-US" sz="1400">
-                  <a:latin typeface="Times New Roman" panose="02020603050405020304" pitchFamily="18" charset="0"/>
-                  <a:cs typeface="Times New Roman" panose="02020603050405020304" pitchFamily="18" charset="0"/>
-                </a:endParaRPr>
-              </a:p>
-            </p:txBody>
-          </p:sp>
-          <p:sp>
-            <p:nvSpPr>
-              <p:cNvPr id="20" name="Oval 19">
-                <a:extLst>
-                  <a:ext uri="{FF2B5EF4-FFF2-40B4-BE49-F238E27FC236}">
-                    <a16:creationId xmlns:a16="http://schemas.microsoft.com/office/drawing/2014/main" id="{712BB646-C09A-594A-D227-809838F01F81}"/>
-                  </a:ext>
-                </a:extLst>
-              </p:cNvPr>
-              <p:cNvSpPr/>
-              <p:nvPr/>
-            </p:nvSpPr>
-            <p:spPr>
-              <a:xfrm>
-                <a:off x="4582138" y="1195396"/>
-                <a:ext cx="45719" cy="45719"/>
-              </a:xfrm>
-              <a:prstGeom prst="ellipse">
-                <a:avLst/>
-              </a:prstGeom>
-              <a:solidFill>
-                <a:schemeClr val="tx1"/>
-              </a:solidFill>
-              <a:ln>
+                <a:ln>
+                  <a:solidFill>
+                    <a:schemeClr val="tx1"/>
+                  </a:solidFill>
+                </a:ln>
+              </p:spPr>
+              <p:style>
+                <a:lnRef idx="2">
+                  <a:schemeClr val="accent1">
+                    <a:shade val="50000"/>
+                  </a:schemeClr>
+                </a:lnRef>
+                <a:fillRef idx="1">
+                  <a:schemeClr val="accent1"/>
+                </a:fillRef>
+                <a:effectRef idx="0">
+                  <a:schemeClr val="accent1"/>
+                </a:effectRef>
+                <a:fontRef idx="minor">
+                  <a:schemeClr val="lt1"/>
+                </a:fontRef>
+              </p:style>
+              <p:txBody>
+                <a:bodyPr rtlCol="0" anchor="ctr"/>
+                <a:lstStyle/>
+                <a:p>
+                  <a:pPr algn="ctr"/>
+                  <a:endParaRPr lang="en-US" sz="1400">
+                    <a:latin typeface="Times New Roman" panose="02020603050405020304" pitchFamily="18" charset="0"/>
+                    <a:cs typeface="Times New Roman" panose="02020603050405020304" pitchFamily="18" charset="0"/>
+                  </a:endParaRPr>
+                </a:p>
+              </p:txBody>
+            </p:sp>
+            <p:sp>
+              <p:nvSpPr>
+                <p:cNvPr id="256" name="Oval 255">
+                  <a:extLst>
+                    <a:ext uri="{FF2B5EF4-FFF2-40B4-BE49-F238E27FC236}">
+                      <a16:creationId xmlns:a16="http://schemas.microsoft.com/office/drawing/2014/main" id="{195603DC-16C6-1CBB-669B-8A9F6AAC2FB3}"/>
+                    </a:ext>
+                  </a:extLst>
+                </p:cNvPr>
+                <p:cNvSpPr/>
+                <p:nvPr/>
+              </p:nvSpPr>
+              <p:spPr>
+                <a:xfrm>
+                  <a:off x="6869989" y="3230820"/>
+                  <a:ext cx="45719" cy="45719"/>
+                </a:xfrm>
+                <a:prstGeom prst="ellipse">
+                  <a:avLst/>
+                </a:prstGeom>
                 <a:solidFill>
                   <a:schemeClr val="tx1"/>
                 </a:solidFill>
-              </a:ln>
-            </p:spPr>
-            <p:style>
-              <a:lnRef idx="2">
-                <a:schemeClr val="accent1">
-                  <a:shade val="50000"/>
-                </a:schemeClr>
-              </a:lnRef>
-              <a:fillRef idx="1">
-                <a:schemeClr val="accent1"/>
-              </a:fillRef>
-              <a:effectRef idx="0">
-                <a:schemeClr val="accent1"/>
-              </a:effectRef>
-              <a:fontRef idx="minor">
-                <a:schemeClr val="lt1"/>
-              </a:fontRef>
-            </p:style>
-            <p:txBody>
-              <a:bodyPr rtlCol="0" anchor="ctr"/>
-              <a:lstStyle/>
-              <a:p>
-                <a:pPr algn="ctr"/>
-                <a:endParaRPr lang="en-US" sz="1400">
-                  <a:latin typeface="Times New Roman" panose="02020603050405020304" pitchFamily="18" charset="0"/>
-                  <a:cs typeface="Times New Roman" panose="02020603050405020304" pitchFamily="18" charset="0"/>
-                </a:endParaRPr>
-              </a:p>
-            </p:txBody>
-          </p:sp>
-          <p:sp>
-            <p:nvSpPr>
-              <p:cNvPr id="21" name="Oval 20">
-                <a:extLst>
-                  <a:ext uri="{FF2B5EF4-FFF2-40B4-BE49-F238E27FC236}">
-                    <a16:creationId xmlns:a16="http://schemas.microsoft.com/office/drawing/2014/main" id="{8D68F1D8-2F9F-236D-6EB1-4A863D45074A}"/>
-                  </a:ext>
-                </a:extLst>
-              </p:cNvPr>
-              <p:cNvSpPr/>
-              <p:nvPr/>
-            </p:nvSpPr>
-            <p:spPr>
-              <a:xfrm>
-                <a:off x="4721905" y="1088436"/>
-                <a:ext cx="45719" cy="45719"/>
-              </a:xfrm>
-              <a:prstGeom prst="ellipse">
-                <a:avLst/>
-              </a:prstGeom>
-              <a:solidFill>
-                <a:schemeClr val="tx1"/>
-              </a:solidFill>
-              <a:ln>
+                <a:ln>
+                  <a:solidFill>
+                    <a:schemeClr val="tx1"/>
+                  </a:solidFill>
+                </a:ln>
+              </p:spPr>
+              <p:style>
+                <a:lnRef idx="2">
+                  <a:schemeClr val="accent1">
+                    <a:shade val="50000"/>
+                  </a:schemeClr>
+                </a:lnRef>
+                <a:fillRef idx="1">
+                  <a:schemeClr val="accent1"/>
+                </a:fillRef>
+                <a:effectRef idx="0">
+                  <a:schemeClr val="accent1"/>
+                </a:effectRef>
+                <a:fontRef idx="minor">
+                  <a:schemeClr val="lt1"/>
+                </a:fontRef>
+              </p:style>
+              <p:txBody>
+                <a:bodyPr rtlCol="0" anchor="ctr"/>
+                <a:lstStyle/>
+                <a:p>
+                  <a:pPr algn="ctr"/>
+                  <a:endParaRPr lang="en-US" sz="1400">
+                    <a:latin typeface="Times New Roman" panose="02020603050405020304" pitchFamily="18" charset="0"/>
+                    <a:cs typeface="Times New Roman" panose="02020603050405020304" pitchFamily="18" charset="0"/>
+                  </a:endParaRPr>
+                </a:p>
+              </p:txBody>
+            </p:sp>
+            <p:sp>
+              <p:nvSpPr>
+                <p:cNvPr id="257" name="Oval 256">
+                  <a:extLst>
+                    <a:ext uri="{FF2B5EF4-FFF2-40B4-BE49-F238E27FC236}">
+                      <a16:creationId xmlns:a16="http://schemas.microsoft.com/office/drawing/2014/main" id="{09E2B7AF-04B9-2035-1CEA-5578FF742A05}"/>
+                    </a:ext>
+                  </a:extLst>
+                </p:cNvPr>
+                <p:cNvSpPr/>
+                <p:nvPr/>
+              </p:nvSpPr>
+              <p:spPr>
+                <a:xfrm>
+                  <a:off x="7052677" y="3046704"/>
+                  <a:ext cx="45719" cy="45719"/>
+                </a:xfrm>
+                <a:prstGeom prst="ellipse">
+                  <a:avLst/>
+                </a:prstGeom>
                 <a:solidFill>
                   <a:schemeClr val="tx1"/>
                 </a:solidFill>
-              </a:ln>
-            </p:spPr>
-            <p:style>
-              <a:lnRef idx="2">
-                <a:schemeClr val="accent1">
-                  <a:shade val="50000"/>
-                </a:schemeClr>
-              </a:lnRef>
-              <a:fillRef idx="1">
-                <a:schemeClr val="accent1"/>
-              </a:fillRef>
-              <a:effectRef idx="0">
-                <a:schemeClr val="accent1"/>
-              </a:effectRef>
-              <a:fontRef idx="minor">
-                <a:schemeClr val="lt1"/>
-              </a:fontRef>
-            </p:style>
-            <p:txBody>
-              <a:bodyPr rtlCol="0" anchor="ctr"/>
-              <a:lstStyle/>
-              <a:p>
-                <a:pPr algn="ctr"/>
-                <a:endParaRPr lang="en-US" sz="1400">
-                  <a:latin typeface="Times New Roman" panose="02020603050405020304" pitchFamily="18" charset="0"/>
-                  <a:cs typeface="Times New Roman" panose="02020603050405020304" pitchFamily="18" charset="0"/>
-                </a:endParaRPr>
-              </a:p>
-            </p:txBody>
-          </p:sp>
-          <p:sp>
-            <p:nvSpPr>
-              <p:cNvPr id="22" name="Oval 21">
-                <a:extLst>
-                  <a:ext uri="{FF2B5EF4-FFF2-40B4-BE49-F238E27FC236}">
-                    <a16:creationId xmlns:a16="http://schemas.microsoft.com/office/drawing/2014/main" id="{7A50C3DE-6EC9-B19B-5AE5-24240350F857}"/>
-                  </a:ext>
-                </a:extLst>
-              </p:cNvPr>
-              <p:cNvSpPr/>
-              <p:nvPr/>
-            </p:nvSpPr>
-            <p:spPr>
-              <a:xfrm>
-                <a:off x="4844298" y="1223926"/>
-                <a:ext cx="45719" cy="45719"/>
-              </a:xfrm>
-              <a:prstGeom prst="ellipse">
-                <a:avLst/>
-              </a:prstGeom>
-              <a:solidFill>
-                <a:schemeClr val="tx1"/>
-              </a:solidFill>
-              <a:ln>
+                <a:ln>
+                  <a:solidFill>
+                    <a:schemeClr val="tx1"/>
+                  </a:solidFill>
+                </a:ln>
+              </p:spPr>
+              <p:style>
+                <a:lnRef idx="2">
+                  <a:schemeClr val="accent1">
+                    <a:shade val="50000"/>
+                  </a:schemeClr>
+                </a:lnRef>
+                <a:fillRef idx="1">
+                  <a:schemeClr val="accent1"/>
+                </a:fillRef>
+                <a:effectRef idx="0">
+                  <a:schemeClr val="accent1"/>
+                </a:effectRef>
+                <a:fontRef idx="minor">
+                  <a:schemeClr val="lt1"/>
+                </a:fontRef>
+              </p:style>
+              <p:txBody>
+                <a:bodyPr rtlCol="0" anchor="ctr"/>
+                <a:lstStyle/>
+                <a:p>
+                  <a:pPr algn="ctr"/>
+                  <a:endParaRPr lang="en-US" sz="1400">
+                    <a:latin typeface="Times New Roman" panose="02020603050405020304" pitchFamily="18" charset="0"/>
+                    <a:cs typeface="Times New Roman" panose="02020603050405020304" pitchFamily="18" charset="0"/>
+                  </a:endParaRPr>
+                </a:p>
+              </p:txBody>
+            </p:sp>
+            <p:sp>
+              <p:nvSpPr>
+                <p:cNvPr id="258" name="Oval 257">
+                  <a:extLst>
+                    <a:ext uri="{FF2B5EF4-FFF2-40B4-BE49-F238E27FC236}">
+                      <a16:creationId xmlns:a16="http://schemas.microsoft.com/office/drawing/2014/main" id="{88A09E3A-7031-A400-D6EA-923F0590A272}"/>
+                    </a:ext>
+                  </a:extLst>
+                </p:cNvPr>
+                <p:cNvSpPr/>
+                <p:nvPr/>
+              </p:nvSpPr>
+              <p:spPr>
+                <a:xfrm>
+                  <a:off x="7170619" y="3221509"/>
+                  <a:ext cx="45719" cy="45719"/>
+                </a:xfrm>
+                <a:prstGeom prst="ellipse">
+                  <a:avLst/>
+                </a:prstGeom>
                 <a:solidFill>
                   <a:schemeClr val="tx1"/>
                 </a:solidFill>
-              </a:ln>
-            </p:spPr>
-            <p:style>
-              <a:lnRef idx="2">
-                <a:schemeClr val="accent1">
-                  <a:shade val="50000"/>
-                </a:schemeClr>
-              </a:lnRef>
-              <a:fillRef idx="1">
-                <a:schemeClr val="accent1"/>
-              </a:fillRef>
-              <a:effectRef idx="0">
-                <a:schemeClr val="accent1"/>
-              </a:effectRef>
-              <a:fontRef idx="minor">
-                <a:schemeClr val="lt1"/>
-              </a:fontRef>
-            </p:style>
-            <p:txBody>
-              <a:bodyPr rtlCol="0" anchor="ctr"/>
-              <a:lstStyle/>
-              <a:p>
-                <a:pPr algn="ctr"/>
-                <a:endParaRPr lang="en-US" sz="1400">
-                  <a:latin typeface="Times New Roman" panose="02020603050405020304" pitchFamily="18" charset="0"/>
-                  <a:cs typeface="Times New Roman" panose="02020603050405020304" pitchFamily="18" charset="0"/>
-                </a:endParaRPr>
-              </a:p>
-            </p:txBody>
-          </p:sp>
-          <p:cxnSp>
-            <p:nvCxnSpPr>
-              <p:cNvPr id="23" name="Straight Connector 22">
+                <a:ln>
+                  <a:solidFill>
+                    <a:schemeClr val="tx1"/>
+                  </a:solidFill>
+                </a:ln>
+              </p:spPr>
+              <p:style>
+                <a:lnRef idx="2">
+                  <a:schemeClr val="accent1">
+                    <a:shade val="50000"/>
+                  </a:schemeClr>
+                </a:lnRef>
+                <a:fillRef idx="1">
+                  <a:schemeClr val="accent1"/>
+                </a:fillRef>
+                <a:effectRef idx="0">
+                  <a:schemeClr val="accent1"/>
+                </a:effectRef>
+                <a:fontRef idx="minor">
+                  <a:schemeClr val="lt1"/>
+                </a:fontRef>
+              </p:style>
+              <p:txBody>
+                <a:bodyPr rtlCol="0" anchor="ctr"/>
+                <a:lstStyle/>
+                <a:p>
+                  <a:pPr algn="ctr"/>
+                  <a:endParaRPr lang="en-US" sz="1400">
+                    <a:latin typeface="Times New Roman" panose="02020603050405020304" pitchFamily="18" charset="0"/>
+                    <a:cs typeface="Times New Roman" panose="02020603050405020304" pitchFamily="18" charset="0"/>
+                  </a:endParaRPr>
+                </a:p>
+              </p:txBody>
+            </p:sp>
+            <p:cxnSp>
+              <p:nvCxnSpPr>
+                <p:cNvPr id="259" name="Straight Connector 258">
+                  <a:extLst>
+                    <a:ext uri="{FF2B5EF4-FFF2-40B4-BE49-F238E27FC236}">
+                      <a16:creationId xmlns:a16="http://schemas.microsoft.com/office/drawing/2014/main" id="{0DDE68CD-CE38-3556-7CCE-3076611E9D84}"/>
+                    </a:ext>
+                  </a:extLst>
+                </p:cNvPr>
+                <p:cNvCxnSpPr>
+                  <a:cxnSpLocks/>
+                </p:cNvCxnSpPr>
+                <p:nvPr/>
+              </p:nvCxnSpPr>
+              <p:spPr>
+                <a:xfrm rot="20690762">
+                  <a:off x="5762326" y="3341369"/>
+                  <a:ext cx="1814297" cy="0"/>
+                </a:xfrm>
+                <a:prstGeom prst="line">
+                  <a:avLst/>
+                </a:prstGeom>
+                <a:ln>
+                  <a:solidFill>
+                    <a:schemeClr val="tx1"/>
+                  </a:solidFill>
+                  <a:prstDash val="sysDot"/>
+                </a:ln>
+              </p:spPr>
+              <p:style>
+                <a:lnRef idx="1">
+                  <a:schemeClr val="accent1"/>
+                </a:lnRef>
+                <a:fillRef idx="0">
+                  <a:schemeClr val="accent1"/>
+                </a:fillRef>
+                <a:effectRef idx="0">
+                  <a:schemeClr val="accent1"/>
+                </a:effectRef>
+                <a:fontRef idx="minor">
+                  <a:schemeClr val="tx1"/>
+                </a:fontRef>
+              </p:style>
+            </p:cxnSp>
+          </p:grpSp>
+          <p:sp>
+            <p:nvSpPr>
+              <p:cNvPr id="220" name="TextBox 219">
                 <a:extLst>
                   <a:ext uri="{FF2B5EF4-FFF2-40B4-BE49-F238E27FC236}">
-                    <a16:creationId xmlns:a16="http://schemas.microsoft.com/office/drawing/2014/main" id="{B8980250-3F02-CE4F-27E1-8F36E37699F3}"/>
-                  </a:ext>
-                </a:extLst>
-              </p:cNvPr>
-              <p:cNvCxnSpPr>
-                <a:cxnSpLocks/>
-              </p:cNvCxnSpPr>
-              <p:nvPr/>
-            </p:nvCxnSpPr>
-            <p:spPr>
-              <a:xfrm flipV="1">
-                <a:off x="3579137" y="1036438"/>
-                <a:ext cx="1503845" cy="736270"/>
-              </a:xfrm>
-              <a:prstGeom prst="line">
-                <a:avLst/>
-              </a:prstGeom>
-              <a:ln>
-                <a:solidFill>
-                  <a:schemeClr val="tx1"/>
-                </a:solidFill>
-                <a:prstDash val="sysDot"/>
-              </a:ln>
-            </p:spPr>
-            <p:style>
-              <a:lnRef idx="1">
-                <a:schemeClr val="accent1"/>
-              </a:lnRef>
-              <a:fillRef idx="0">
-                <a:schemeClr val="accent1"/>
-              </a:fillRef>
-              <a:effectRef idx="0">
-                <a:schemeClr val="accent1"/>
-              </a:effectRef>
-              <a:fontRef idx="minor">
-                <a:schemeClr val="tx1"/>
-              </a:fontRef>
-            </p:style>
-          </p:cxnSp>
-          <p:sp>
-            <p:nvSpPr>
-              <p:cNvPr id="24" name="Oval 23">
-                <a:extLst>
-                  <a:ext uri="{FF2B5EF4-FFF2-40B4-BE49-F238E27FC236}">
-                    <a16:creationId xmlns:a16="http://schemas.microsoft.com/office/drawing/2014/main" id="{4C0BEE75-CF19-15AD-CE14-C62E79C06F07}"/>
-                  </a:ext>
-                </a:extLst>
-              </p:cNvPr>
-              <p:cNvSpPr/>
-              <p:nvPr/>
-            </p:nvSpPr>
-            <p:spPr>
-              <a:xfrm>
-                <a:off x="4839322" y="1101486"/>
-                <a:ext cx="65034" cy="72690"/>
-              </a:xfrm>
-              <a:prstGeom prst="ellipse">
-                <a:avLst/>
-              </a:prstGeom>
-              <a:noFill/>
-              <a:ln>
-                <a:solidFill>
-                  <a:schemeClr val="tx1"/>
-                </a:solidFill>
-              </a:ln>
-            </p:spPr>
-            <p:style>
-              <a:lnRef idx="2">
-                <a:schemeClr val="accent1">
-                  <a:shade val="50000"/>
-                </a:schemeClr>
-              </a:lnRef>
-              <a:fillRef idx="1">
-                <a:schemeClr val="accent1"/>
-              </a:fillRef>
-              <a:effectRef idx="0">
-                <a:schemeClr val="accent1"/>
-              </a:effectRef>
-              <a:fontRef idx="minor">
-                <a:schemeClr val="lt1"/>
-              </a:fontRef>
-            </p:style>
-            <p:txBody>
-              <a:bodyPr rtlCol="0" anchor="ctr"/>
-              <a:lstStyle/>
-              <a:p>
-                <a:pPr algn="ctr"/>
-                <a:endParaRPr lang="en-US" sz="1400">
-                  <a:latin typeface="Times New Roman" panose="02020603050405020304" pitchFamily="18" charset="0"/>
-                  <a:cs typeface="Times New Roman" panose="02020603050405020304" pitchFamily="18" charset="0"/>
-                </a:endParaRPr>
-              </a:p>
-            </p:txBody>
-          </p:sp>
-          <p:sp>
-            <p:nvSpPr>
-              <p:cNvPr id="25" name="TextBox 24">
-                <a:extLst>
-                  <a:ext uri="{FF2B5EF4-FFF2-40B4-BE49-F238E27FC236}">
-                    <a16:creationId xmlns:a16="http://schemas.microsoft.com/office/drawing/2014/main" id="{91688262-0E30-0B52-C8E6-2317B367274C}"/>
+                    <a16:creationId xmlns:a16="http://schemas.microsoft.com/office/drawing/2014/main" id="{5129429D-39F5-42FA-3F73-B215B5969AB1}"/>
                   </a:ext>
                 </a:extLst>
               </p:cNvPr>
@@ -5302,7 +4156,7 @@
             </p:nvSpPr>
             <p:spPr>
               <a:xfrm>
-                <a:off x="4168828" y="2049327"/>
+                <a:off x="1941998" y="2049327"/>
                 <a:ext cx="516167" cy="307777"/>
               </a:xfrm>
               <a:prstGeom prst="rect">
@@ -5328,10 +4182,10 @@
           </p:sp>
           <p:sp>
             <p:nvSpPr>
-              <p:cNvPr id="26" name="TextBox 25">
+              <p:cNvPr id="221" name="TextBox 220">
                 <a:extLst>
                   <a:ext uri="{FF2B5EF4-FFF2-40B4-BE49-F238E27FC236}">
-                    <a16:creationId xmlns:a16="http://schemas.microsoft.com/office/drawing/2014/main" id="{BDB781D6-9981-B718-78C7-3745328FB935}"/>
+                    <a16:creationId xmlns:a16="http://schemas.microsoft.com/office/drawing/2014/main" id="{E38EF89A-DF43-FF52-37D1-D233B2AA5B58}"/>
                   </a:ext>
                 </a:extLst>
               </p:cNvPr>
@@ -5340,7 +4194,7 @@
             </p:nvSpPr>
             <p:spPr>
               <a:xfrm rot="16200000">
-                <a:off x="3102437" y="1320748"/>
+                <a:off x="893213" y="1320748"/>
                 <a:ext cx="359394" cy="307777"/>
               </a:xfrm>
               <a:prstGeom prst="rect">
@@ -5366,10 +4220,10 @@
           </p:sp>
           <p:sp>
             <p:nvSpPr>
-              <p:cNvPr id="28" name="TextBox 27">
+              <p:cNvPr id="222" name="TextBox 221">
                 <a:extLst>
                   <a:ext uri="{FF2B5EF4-FFF2-40B4-BE49-F238E27FC236}">
-                    <a16:creationId xmlns:a16="http://schemas.microsoft.com/office/drawing/2014/main" id="{4DBECCD2-0CA9-12C6-BFEE-3E9C27B3ABE4}"/>
+                    <a16:creationId xmlns:a16="http://schemas.microsoft.com/office/drawing/2014/main" id="{8C7CE3F0-F405-C600-70B3-B9F55956C0C8}"/>
                   </a:ext>
                 </a:extLst>
               </p:cNvPr>
@@ -5378,7 +4232,7 @@
             </p:nvSpPr>
             <p:spPr>
               <a:xfrm>
-                <a:off x="3593841" y="735723"/>
+                <a:off x="1332424" y="735723"/>
                 <a:ext cx="1656607" cy="307777"/>
               </a:xfrm>
               <a:prstGeom prst="rect">
@@ -5397,17 +4251,17 @@
                     <a:latin typeface="Times New Roman" panose="02020603050405020304" pitchFamily="18" charset="0"/>
                     <a:cs typeface="Times New Roman" panose="02020603050405020304" pitchFamily="18" charset="0"/>
                   </a:rPr>
-                  <a:t>Plot X, Visit 2, 2017</a:t>
+                  <a:t>Plot X, Visit 1, 2007</a:t>
                 </a:r>
               </a:p>
             </p:txBody>
           </p:sp>
           <p:sp>
             <p:nvSpPr>
-              <p:cNvPr id="31" name="TextBox 30">
+              <p:cNvPr id="223" name="TextBox 222">
                 <a:extLst>
                   <a:ext uri="{FF2B5EF4-FFF2-40B4-BE49-F238E27FC236}">
-                    <a16:creationId xmlns:a16="http://schemas.microsoft.com/office/drawing/2014/main" id="{47B0BA45-A796-F410-9D67-971EAEE11CE2}"/>
+                    <a16:creationId xmlns:a16="http://schemas.microsoft.com/office/drawing/2014/main" id="{E53748A1-13AC-1802-F420-0FD955695801}"/>
                   </a:ext>
                 </a:extLst>
               </p:cNvPr>
@@ -5416,7 +4270,7 @@
             </p:nvSpPr>
             <p:spPr>
               <a:xfrm>
-                <a:off x="4975485" y="2204803"/>
+                <a:off x="2535540" y="2277407"/>
                 <a:ext cx="543739" cy="307777"/>
               </a:xfrm>
               <a:prstGeom prst="rect">
@@ -5435,17 +4289,17 @@
                     <a:latin typeface="Times New Roman" panose="02020603050405020304" pitchFamily="18" charset="0"/>
                     <a:cs typeface="Times New Roman" panose="02020603050405020304" pitchFamily="18" charset="0"/>
                   </a:rPr>
-                  <a:t>2017</a:t>
+                  <a:t>2007</a:t>
                 </a:r>
               </a:p>
             </p:txBody>
           </p:sp>
           <p:sp>
             <p:nvSpPr>
-              <p:cNvPr id="32" name="TextBox 31">
+              <p:cNvPr id="224" name="TextBox 223">
                 <a:extLst>
                   <a:ext uri="{FF2B5EF4-FFF2-40B4-BE49-F238E27FC236}">
-                    <a16:creationId xmlns:a16="http://schemas.microsoft.com/office/drawing/2014/main" id="{05032804-67ED-1C10-4A3E-B69F38DE16D6}"/>
+                    <a16:creationId xmlns:a16="http://schemas.microsoft.com/office/drawing/2014/main" id="{A59FD1CE-1A2E-105F-F250-997B33900D7A}"/>
                   </a:ext>
                 </a:extLst>
               </p:cNvPr>
@@ -5454,7 +4308,7 @@
             </p:nvSpPr>
             <p:spPr>
               <a:xfrm>
-                <a:off x="3181369" y="2271956"/>
+                <a:off x="945211" y="2275765"/>
                 <a:ext cx="543739" cy="307777"/>
               </a:xfrm>
               <a:prstGeom prst="rect">
@@ -5473,30 +4327,30 @@
                     <a:latin typeface="Times New Roman" panose="02020603050405020304" pitchFamily="18" charset="0"/>
                     <a:cs typeface="Times New Roman" panose="02020603050405020304" pitchFamily="18" charset="0"/>
                   </a:rPr>
-                  <a:t>2008</a:t>
+                  <a:t>1988</a:t>
                 </a:r>
               </a:p>
             </p:txBody>
           </p:sp>
           <p:cxnSp>
             <p:nvCxnSpPr>
-              <p:cNvPr id="35" name="Straight Arrow Connector 34">
+              <p:cNvPr id="225" name="Straight Arrow Connector 224">
                 <a:extLst>
                   <a:ext uri="{FF2B5EF4-FFF2-40B4-BE49-F238E27FC236}">
-                    <a16:creationId xmlns:a16="http://schemas.microsoft.com/office/drawing/2014/main" id="{10C331CF-366C-FD6D-D886-69B2E76EEFE3}"/>
+                    <a16:creationId xmlns:a16="http://schemas.microsoft.com/office/drawing/2014/main" id="{1E1CD96C-BE9A-159B-81E3-F0C4C65E939E}"/>
                   </a:ext>
                 </a:extLst>
               </p:cNvPr>
               <p:cNvCxnSpPr>
                 <a:cxnSpLocks/>
-                <a:endCxn id="12" idx="4"/>
+                <a:stCxn id="224" idx="0"/>
               </p:cNvCxnSpPr>
               <p:nvPr/>
             </p:nvCxnSpPr>
             <p:spPr>
               <a:xfrm flipV="1">
-                <a:off x="3516809" y="1698710"/>
-                <a:ext cx="62329" cy="614393"/>
+                <a:off x="1217081" y="1913581"/>
+                <a:ext cx="101254" cy="362184"/>
               </a:xfrm>
               <a:prstGeom prst="straightConnector1">
                 <a:avLst/>
@@ -5525,22 +4379,24 @@
           </p:cxnSp>
           <p:cxnSp>
             <p:nvCxnSpPr>
-              <p:cNvPr id="36" name="Straight Arrow Connector 35">
+              <p:cNvPr id="226" name="Straight Arrow Connector 225">
                 <a:extLst>
                   <a:ext uri="{FF2B5EF4-FFF2-40B4-BE49-F238E27FC236}">
-                    <a16:creationId xmlns:a16="http://schemas.microsoft.com/office/drawing/2014/main" id="{25A9BCDB-856E-627E-5B3D-938E660B013D}"/>
+                    <a16:creationId xmlns:a16="http://schemas.microsoft.com/office/drawing/2014/main" id="{2AA839B8-C331-8D41-C29B-2D060E6CE02A}"/>
                   </a:ext>
                 </a:extLst>
               </p:cNvPr>
               <p:cNvCxnSpPr>
                 <a:cxnSpLocks/>
+                <a:stCxn id="223" idx="0"/>
+                <a:endCxn id="258" idx="5"/>
               </p:cNvCxnSpPr>
               <p:nvPr/>
             </p:nvCxnSpPr>
             <p:spPr>
               <a:xfrm flipH="1" flipV="1">
-                <a:off x="4904356" y="1164047"/>
-                <a:ext cx="256444" cy="1102682"/>
+                <a:off x="2714647" y="1872378"/>
+                <a:ext cx="92763" cy="405029"/>
               </a:xfrm>
               <a:prstGeom prst="straightConnector1">
                 <a:avLst/>
@@ -5567,7 +4423,1576 @@
               </a:fontRef>
             </p:style>
           </p:cxnSp>
+          <p:grpSp>
+            <p:nvGrpSpPr>
+              <p:cNvPr id="227" name="Group 226">
+                <a:extLst>
+                  <a:ext uri="{FF2B5EF4-FFF2-40B4-BE49-F238E27FC236}">
+                    <a16:creationId xmlns:a16="http://schemas.microsoft.com/office/drawing/2014/main" id="{7212CDE0-A0C5-B7E5-F6A5-E023B7E52205}"/>
+                  </a:ext>
+                </a:extLst>
+              </p:cNvPr>
+              <p:cNvGrpSpPr/>
+              <p:nvPr/>
+            </p:nvGrpSpPr>
+            <p:grpSpPr>
+              <a:xfrm>
+                <a:off x="3086135" y="735011"/>
+                <a:ext cx="2241724" cy="1844722"/>
+                <a:chOff x="3128245" y="735011"/>
+                <a:chExt cx="2241724" cy="1844722"/>
+              </a:xfrm>
+            </p:grpSpPr>
+            <p:cxnSp>
+              <p:nvCxnSpPr>
+                <p:cNvPr id="228" name="Straight Connector 227">
+                  <a:extLst>
+                    <a:ext uri="{FF2B5EF4-FFF2-40B4-BE49-F238E27FC236}">
+                      <a16:creationId xmlns:a16="http://schemas.microsoft.com/office/drawing/2014/main" id="{4740C039-8D36-47C1-100A-825B7EC2F38C}"/>
+                    </a:ext>
+                  </a:extLst>
+                </p:cNvPr>
+                <p:cNvCxnSpPr/>
+                <p:nvPr/>
+              </p:nvCxnSpPr>
+              <p:spPr>
+                <a:xfrm>
+                  <a:off x="3444187" y="953309"/>
+                  <a:ext cx="0" cy="1134094"/>
+                </a:xfrm>
+                <a:prstGeom prst="line">
+                  <a:avLst/>
+                </a:prstGeom>
+                <a:ln w="28575">
+                  <a:solidFill>
+                    <a:schemeClr val="tx1"/>
+                  </a:solidFill>
+                </a:ln>
+              </p:spPr>
+              <p:style>
+                <a:lnRef idx="1">
+                  <a:schemeClr val="accent1"/>
+                </a:lnRef>
+                <a:fillRef idx="0">
+                  <a:schemeClr val="accent1"/>
+                </a:fillRef>
+                <a:effectRef idx="0">
+                  <a:schemeClr val="accent1"/>
+                </a:effectRef>
+                <a:fontRef idx="minor">
+                  <a:schemeClr val="tx1"/>
+                </a:fontRef>
+              </p:style>
+            </p:cxnSp>
+            <p:cxnSp>
+              <p:nvCxnSpPr>
+                <p:cNvPr id="229" name="Straight Connector 228">
+                  <a:extLst>
+                    <a:ext uri="{FF2B5EF4-FFF2-40B4-BE49-F238E27FC236}">
+                      <a16:creationId xmlns:a16="http://schemas.microsoft.com/office/drawing/2014/main" id="{7C8C26D3-3F1E-CA36-AC0A-15FE09501DFA}"/>
+                    </a:ext>
+                  </a:extLst>
+                </p:cNvPr>
+                <p:cNvCxnSpPr>
+                  <a:cxnSpLocks/>
+                </p:cNvCxnSpPr>
+                <p:nvPr/>
+              </p:nvCxnSpPr>
+              <p:spPr>
+                <a:xfrm flipH="1">
+                  <a:off x="3444187" y="2087403"/>
+                  <a:ext cx="1925782" cy="0"/>
+                </a:xfrm>
+                <a:prstGeom prst="line">
+                  <a:avLst/>
+                </a:prstGeom>
+                <a:ln w="28575">
+                  <a:solidFill>
+                    <a:schemeClr val="tx1"/>
+                  </a:solidFill>
+                </a:ln>
+              </p:spPr>
+              <p:style>
+                <a:lnRef idx="1">
+                  <a:schemeClr val="accent1"/>
+                </a:lnRef>
+                <a:fillRef idx="0">
+                  <a:schemeClr val="accent1"/>
+                </a:fillRef>
+                <a:effectRef idx="0">
+                  <a:schemeClr val="accent1"/>
+                </a:effectRef>
+                <a:fontRef idx="minor">
+                  <a:schemeClr val="tx1"/>
+                </a:fontRef>
+              </p:style>
+            </p:cxnSp>
+            <p:sp>
+              <p:nvSpPr>
+                <p:cNvPr id="230" name="Oval 229">
+                  <a:extLst>
+                    <a:ext uri="{FF2B5EF4-FFF2-40B4-BE49-F238E27FC236}">
+                      <a16:creationId xmlns:a16="http://schemas.microsoft.com/office/drawing/2014/main" id="{F17FF38B-BBC1-5CD7-0CCF-8DB89D505D4E}"/>
+                    </a:ext>
+                  </a:extLst>
+                </p:cNvPr>
+                <p:cNvSpPr/>
+                <p:nvPr/>
+              </p:nvSpPr>
+              <p:spPr>
+                <a:xfrm>
+                  <a:off x="3556278" y="1652991"/>
+                  <a:ext cx="45719" cy="45719"/>
+                </a:xfrm>
+                <a:prstGeom prst="ellipse">
+                  <a:avLst/>
+                </a:prstGeom>
+                <a:solidFill>
+                  <a:schemeClr val="tx1"/>
+                </a:solidFill>
+                <a:ln>
+                  <a:solidFill>
+                    <a:schemeClr val="tx1"/>
+                  </a:solidFill>
+                </a:ln>
+              </p:spPr>
+              <p:style>
+                <a:lnRef idx="2">
+                  <a:schemeClr val="accent1">
+                    <a:shade val="50000"/>
+                  </a:schemeClr>
+                </a:lnRef>
+                <a:fillRef idx="1">
+                  <a:schemeClr val="accent1"/>
+                </a:fillRef>
+                <a:effectRef idx="0">
+                  <a:schemeClr val="accent1"/>
+                </a:effectRef>
+                <a:fontRef idx="minor">
+                  <a:schemeClr val="lt1"/>
+                </a:fontRef>
+              </p:style>
+              <p:txBody>
+                <a:bodyPr rtlCol="0" anchor="ctr"/>
+                <a:lstStyle/>
+                <a:p>
+                  <a:pPr algn="ctr"/>
+                  <a:endParaRPr lang="en-US" sz="1400">
+                    <a:latin typeface="Times New Roman" panose="02020603050405020304" pitchFamily="18" charset="0"/>
+                    <a:cs typeface="Times New Roman" panose="02020603050405020304" pitchFamily="18" charset="0"/>
+                  </a:endParaRPr>
+                </a:p>
+              </p:txBody>
+            </p:sp>
+            <p:sp>
+              <p:nvSpPr>
+                <p:cNvPr id="231" name="Oval 230">
+                  <a:extLst>
+                    <a:ext uri="{FF2B5EF4-FFF2-40B4-BE49-F238E27FC236}">
+                      <a16:creationId xmlns:a16="http://schemas.microsoft.com/office/drawing/2014/main" id="{D01D07EC-E538-5996-5983-0B9269D47F32}"/>
+                    </a:ext>
+                  </a:extLst>
+                </p:cNvPr>
+                <p:cNvSpPr/>
+                <p:nvPr/>
+              </p:nvSpPr>
+              <p:spPr>
+                <a:xfrm>
+                  <a:off x="3718094" y="1646080"/>
+                  <a:ext cx="45719" cy="45719"/>
+                </a:xfrm>
+                <a:prstGeom prst="ellipse">
+                  <a:avLst/>
+                </a:prstGeom>
+                <a:solidFill>
+                  <a:schemeClr val="tx1"/>
+                </a:solidFill>
+                <a:ln>
+                  <a:solidFill>
+                    <a:schemeClr val="tx1"/>
+                  </a:solidFill>
+                </a:ln>
+              </p:spPr>
+              <p:style>
+                <a:lnRef idx="2">
+                  <a:schemeClr val="accent1">
+                    <a:shade val="50000"/>
+                  </a:schemeClr>
+                </a:lnRef>
+                <a:fillRef idx="1">
+                  <a:schemeClr val="accent1"/>
+                </a:fillRef>
+                <a:effectRef idx="0">
+                  <a:schemeClr val="accent1"/>
+                </a:effectRef>
+                <a:fontRef idx="minor">
+                  <a:schemeClr val="lt1"/>
+                </a:fontRef>
+              </p:style>
+              <p:txBody>
+                <a:bodyPr rtlCol="0" anchor="ctr"/>
+                <a:lstStyle/>
+                <a:p>
+                  <a:pPr algn="ctr"/>
+                  <a:endParaRPr lang="en-US" sz="1400">
+                    <a:latin typeface="Times New Roman" panose="02020603050405020304" pitchFamily="18" charset="0"/>
+                    <a:cs typeface="Times New Roman" panose="02020603050405020304" pitchFamily="18" charset="0"/>
+                  </a:endParaRPr>
+                </a:p>
+              </p:txBody>
+            </p:sp>
+            <p:sp>
+              <p:nvSpPr>
+                <p:cNvPr id="232" name="Oval 231">
+                  <a:extLst>
+                    <a:ext uri="{FF2B5EF4-FFF2-40B4-BE49-F238E27FC236}">
+                      <a16:creationId xmlns:a16="http://schemas.microsoft.com/office/drawing/2014/main" id="{7AA5765E-E721-29B3-242C-E75D9E22F411}"/>
+                    </a:ext>
+                  </a:extLst>
+                </p:cNvPr>
+                <p:cNvSpPr/>
+                <p:nvPr/>
+              </p:nvSpPr>
+              <p:spPr>
+                <a:xfrm>
+                  <a:off x="3890364" y="1601542"/>
+                  <a:ext cx="45719" cy="45719"/>
+                </a:xfrm>
+                <a:prstGeom prst="ellipse">
+                  <a:avLst/>
+                </a:prstGeom>
+                <a:solidFill>
+                  <a:schemeClr val="tx1"/>
+                </a:solidFill>
+                <a:ln>
+                  <a:solidFill>
+                    <a:schemeClr val="tx1"/>
+                  </a:solidFill>
+                </a:ln>
+              </p:spPr>
+              <p:style>
+                <a:lnRef idx="2">
+                  <a:schemeClr val="accent1">
+                    <a:shade val="50000"/>
+                  </a:schemeClr>
+                </a:lnRef>
+                <a:fillRef idx="1">
+                  <a:schemeClr val="accent1"/>
+                </a:fillRef>
+                <a:effectRef idx="0">
+                  <a:schemeClr val="accent1"/>
+                </a:effectRef>
+                <a:fontRef idx="minor">
+                  <a:schemeClr val="lt1"/>
+                </a:fontRef>
+              </p:style>
+              <p:txBody>
+                <a:bodyPr rtlCol="0" anchor="ctr"/>
+                <a:lstStyle/>
+                <a:p>
+                  <a:pPr algn="ctr"/>
+                  <a:endParaRPr lang="en-US" sz="1400">
+                    <a:latin typeface="Times New Roman" panose="02020603050405020304" pitchFamily="18" charset="0"/>
+                    <a:cs typeface="Times New Roman" panose="02020603050405020304" pitchFamily="18" charset="0"/>
+                  </a:endParaRPr>
+                </a:p>
+              </p:txBody>
+            </p:sp>
+            <p:sp>
+              <p:nvSpPr>
+                <p:cNvPr id="233" name="Oval 232">
+                  <a:extLst>
+                    <a:ext uri="{FF2B5EF4-FFF2-40B4-BE49-F238E27FC236}">
+                      <a16:creationId xmlns:a16="http://schemas.microsoft.com/office/drawing/2014/main" id="{686ECA30-03A7-1F0A-DC0E-B3165B1E259F}"/>
+                    </a:ext>
+                  </a:extLst>
+                </p:cNvPr>
+                <p:cNvSpPr/>
+                <p:nvPr/>
+              </p:nvSpPr>
+              <p:spPr>
+                <a:xfrm>
+                  <a:off x="4004836" y="1473149"/>
+                  <a:ext cx="45719" cy="45719"/>
+                </a:xfrm>
+                <a:prstGeom prst="ellipse">
+                  <a:avLst/>
+                </a:prstGeom>
+                <a:solidFill>
+                  <a:schemeClr val="tx1"/>
+                </a:solidFill>
+                <a:ln>
+                  <a:solidFill>
+                    <a:schemeClr val="tx1"/>
+                  </a:solidFill>
+                </a:ln>
+              </p:spPr>
+              <p:style>
+                <a:lnRef idx="2">
+                  <a:schemeClr val="accent1">
+                    <a:shade val="50000"/>
+                  </a:schemeClr>
+                </a:lnRef>
+                <a:fillRef idx="1">
+                  <a:schemeClr val="accent1"/>
+                </a:fillRef>
+                <a:effectRef idx="0">
+                  <a:schemeClr val="accent1"/>
+                </a:effectRef>
+                <a:fontRef idx="minor">
+                  <a:schemeClr val="lt1"/>
+                </a:fontRef>
+              </p:style>
+              <p:txBody>
+                <a:bodyPr rtlCol="0" anchor="ctr"/>
+                <a:lstStyle/>
+                <a:p>
+                  <a:pPr algn="ctr"/>
+                  <a:endParaRPr lang="en-US" sz="1400">
+                    <a:latin typeface="Times New Roman" panose="02020603050405020304" pitchFamily="18" charset="0"/>
+                    <a:cs typeface="Times New Roman" panose="02020603050405020304" pitchFamily="18" charset="0"/>
+                  </a:endParaRPr>
+                </a:p>
+              </p:txBody>
+            </p:sp>
+            <p:sp>
+              <p:nvSpPr>
+                <p:cNvPr id="234" name="Oval 233">
+                  <a:extLst>
+                    <a:ext uri="{FF2B5EF4-FFF2-40B4-BE49-F238E27FC236}">
+                      <a16:creationId xmlns:a16="http://schemas.microsoft.com/office/drawing/2014/main" id="{D2632421-2577-445E-52E4-CE3D0D165DD6}"/>
+                    </a:ext>
+                  </a:extLst>
+                </p:cNvPr>
+                <p:cNvSpPr/>
+                <p:nvPr/>
+              </p:nvSpPr>
+              <p:spPr>
+                <a:xfrm>
+                  <a:off x="4120222" y="1562942"/>
+                  <a:ext cx="45719" cy="45719"/>
+                </a:xfrm>
+                <a:prstGeom prst="ellipse">
+                  <a:avLst/>
+                </a:prstGeom>
+                <a:solidFill>
+                  <a:schemeClr val="tx1"/>
+                </a:solidFill>
+                <a:ln>
+                  <a:solidFill>
+                    <a:schemeClr val="tx1"/>
+                  </a:solidFill>
+                </a:ln>
+              </p:spPr>
+              <p:style>
+                <a:lnRef idx="2">
+                  <a:schemeClr val="accent1">
+                    <a:shade val="50000"/>
+                  </a:schemeClr>
+                </a:lnRef>
+                <a:fillRef idx="1">
+                  <a:schemeClr val="accent1"/>
+                </a:fillRef>
+                <a:effectRef idx="0">
+                  <a:schemeClr val="accent1"/>
+                </a:effectRef>
+                <a:fontRef idx="minor">
+                  <a:schemeClr val="lt1"/>
+                </a:fontRef>
+              </p:style>
+              <p:txBody>
+                <a:bodyPr rtlCol="0" anchor="ctr"/>
+                <a:lstStyle/>
+                <a:p>
+                  <a:pPr algn="ctr"/>
+                  <a:endParaRPr lang="en-US" sz="1400">
+                    <a:latin typeface="Times New Roman" panose="02020603050405020304" pitchFamily="18" charset="0"/>
+                    <a:cs typeface="Times New Roman" panose="02020603050405020304" pitchFamily="18" charset="0"/>
+                  </a:endParaRPr>
+                </a:p>
+              </p:txBody>
+            </p:sp>
+            <p:sp>
+              <p:nvSpPr>
+                <p:cNvPr id="235" name="Oval 234">
+                  <a:extLst>
+                    <a:ext uri="{FF2B5EF4-FFF2-40B4-BE49-F238E27FC236}">
+                      <a16:creationId xmlns:a16="http://schemas.microsoft.com/office/drawing/2014/main" id="{C2399B56-E0CA-05B2-5A6A-6B4C8870B45B}"/>
+                    </a:ext>
+                  </a:extLst>
+                </p:cNvPr>
+                <p:cNvSpPr/>
+                <p:nvPr/>
+              </p:nvSpPr>
+              <p:spPr>
+                <a:xfrm>
+                  <a:off x="4254056" y="1427941"/>
+                  <a:ext cx="45719" cy="45719"/>
+                </a:xfrm>
+                <a:prstGeom prst="ellipse">
+                  <a:avLst/>
+                </a:prstGeom>
+                <a:solidFill>
+                  <a:schemeClr val="tx1"/>
+                </a:solidFill>
+                <a:ln>
+                  <a:solidFill>
+                    <a:schemeClr val="tx1"/>
+                  </a:solidFill>
+                </a:ln>
+              </p:spPr>
+              <p:style>
+                <a:lnRef idx="2">
+                  <a:schemeClr val="accent1">
+                    <a:shade val="50000"/>
+                  </a:schemeClr>
+                </a:lnRef>
+                <a:fillRef idx="1">
+                  <a:schemeClr val="accent1"/>
+                </a:fillRef>
+                <a:effectRef idx="0">
+                  <a:schemeClr val="accent1"/>
+                </a:effectRef>
+                <a:fontRef idx="minor">
+                  <a:schemeClr val="lt1"/>
+                </a:fontRef>
+              </p:style>
+              <p:txBody>
+                <a:bodyPr rtlCol="0" anchor="ctr"/>
+                <a:lstStyle/>
+                <a:p>
+                  <a:pPr algn="ctr"/>
+                  <a:endParaRPr lang="en-US" sz="1400">
+                    <a:latin typeface="Times New Roman" panose="02020603050405020304" pitchFamily="18" charset="0"/>
+                    <a:cs typeface="Times New Roman" panose="02020603050405020304" pitchFamily="18" charset="0"/>
+                  </a:endParaRPr>
+                </a:p>
+              </p:txBody>
+            </p:sp>
+            <p:sp>
+              <p:nvSpPr>
+                <p:cNvPr id="236" name="Oval 235">
+                  <a:extLst>
+                    <a:ext uri="{FF2B5EF4-FFF2-40B4-BE49-F238E27FC236}">
+                      <a16:creationId xmlns:a16="http://schemas.microsoft.com/office/drawing/2014/main" id="{E49C9650-022E-E0FD-6CD6-3AA0757C994A}"/>
+                    </a:ext>
+                  </a:extLst>
+                </p:cNvPr>
+                <p:cNvSpPr/>
+                <p:nvPr/>
+              </p:nvSpPr>
+              <p:spPr>
+                <a:xfrm>
+                  <a:off x="4346387" y="1191313"/>
+                  <a:ext cx="45719" cy="45719"/>
+                </a:xfrm>
+                <a:prstGeom prst="ellipse">
+                  <a:avLst/>
+                </a:prstGeom>
+                <a:solidFill>
+                  <a:schemeClr val="tx1"/>
+                </a:solidFill>
+                <a:ln>
+                  <a:solidFill>
+                    <a:schemeClr val="tx1"/>
+                  </a:solidFill>
+                </a:ln>
+              </p:spPr>
+              <p:style>
+                <a:lnRef idx="2">
+                  <a:schemeClr val="accent1">
+                    <a:shade val="50000"/>
+                  </a:schemeClr>
+                </a:lnRef>
+                <a:fillRef idx="1">
+                  <a:schemeClr val="accent1"/>
+                </a:fillRef>
+                <a:effectRef idx="0">
+                  <a:schemeClr val="accent1"/>
+                </a:effectRef>
+                <a:fontRef idx="minor">
+                  <a:schemeClr val="lt1"/>
+                </a:fontRef>
+              </p:style>
+              <p:txBody>
+                <a:bodyPr rtlCol="0" anchor="ctr"/>
+                <a:lstStyle/>
+                <a:p>
+                  <a:pPr algn="ctr"/>
+                  <a:endParaRPr lang="en-US" sz="1400">
+                    <a:latin typeface="Times New Roman" panose="02020603050405020304" pitchFamily="18" charset="0"/>
+                    <a:cs typeface="Times New Roman" panose="02020603050405020304" pitchFamily="18" charset="0"/>
+                  </a:endParaRPr>
+                </a:p>
+              </p:txBody>
+            </p:sp>
+            <p:sp>
+              <p:nvSpPr>
+                <p:cNvPr id="237" name="Oval 236">
+                  <a:extLst>
+                    <a:ext uri="{FF2B5EF4-FFF2-40B4-BE49-F238E27FC236}">
+                      <a16:creationId xmlns:a16="http://schemas.microsoft.com/office/drawing/2014/main" id="{1B9445D9-F27F-4DF1-C29A-7D055494D3E2}"/>
+                    </a:ext>
+                  </a:extLst>
+                </p:cNvPr>
+                <p:cNvSpPr/>
+                <p:nvPr/>
+              </p:nvSpPr>
+              <p:spPr>
+                <a:xfrm>
+                  <a:off x="4493569" y="1462997"/>
+                  <a:ext cx="45719" cy="45719"/>
+                </a:xfrm>
+                <a:prstGeom prst="ellipse">
+                  <a:avLst/>
+                </a:prstGeom>
+                <a:solidFill>
+                  <a:schemeClr val="tx1"/>
+                </a:solidFill>
+                <a:ln>
+                  <a:solidFill>
+                    <a:schemeClr val="tx1"/>
+                  </a:solidFill>
+                </a:ln>
+              </p:spPr>
+              <p:style>
+                <a:lnRef idx="2">
+                  <a:schemeClr val="accent1">
+                    <a:shade val="50000"/>
+                  </a:schemeClr>
+                </a:lnRef>
+                <a:fillRef idx="1">
+                  <a:schemeClr val="accent1"/>
+                </a:fillRef>
+                <a:effectRef idx="0">
+                  <a:schemeClr val="accent1"/>
+                </a:effectRef>
+                <a:fontRef idx="minor">
+                  <a:schemeClr val="lt1"/>
+                </a:fontRef>
+              </p:style>
+              <p:txBody>
+                <a:bodyPr rtlCol="0" anchor="ctr"/>
+                <a:lstStyle/>
+                <a:p>
+                  <a:pPr algn="ctr"/>
+                  <a:endParaRPr lang="en-US" sz="1400">
+                    <a:latin typeface="Times New Roman" panose="02020603050405020304" pitchFamily="18" charset="0"/>
+                    <a:cs typeface="Times New Roman" panose="02020603050405020304" pitchFamily="18" charset="0"/>
+                  </a:endParaRPr>
+                </a:p>
+              </p:txBody>
+            </p:sp>
+            <p:sp>
+              <p:nvSpPr>
+                <p:cNvPr id="238" name="Oval 237">
+                  <a:extLst>
+                    <a:ext uri="{FF2B5EF4-FFF2-40B4-BE49-F238E27FC236}">
+                      <a16:creationId xmlns:a16="http://schemas.microsoft.com/office/drawing/2014/main" id="{D8157BBF-6BE3-BA07-7F57-3871F9B158ED}"/>
+                    </a:ext>
+                  </a:extLst>
+                </p:cNvPr>
+                <p:cNvSpPr/>
+                <p:nvPr/>
+              </p:nvSpPr>
+              <p:spPr>
+                <a:xfrm>
+                  <a:off x="4595786" y="1195396"/>
+                  <a:ext cx="45719" cy="45719"/>
+                </a:xfrm>
+                <a:prstGeom prst="ellipse">
+                  <a:avLst/>
+                </a:prstGeom>
+                <a:solidFill>
+                  <a:schemeClr val="tx1"/>
+                </a:solidFill>
+                <a:ln>
+                  <a:solidFill>
+                    <a:schemeClr val="tx1"/>
+                  </a:solidFill>
+                </a:ln>
+              </p:spPr>
+              <p:style>
+                <a:lnRef idx="2">
+                  <a:schemeClr val="accent1">
+                    <a:shade val="50000"/>
+                  </a:schemeClr>
+                </a:lnRef>
+                <a:fillRef idx="1">
+                  <a:schemeClr val="accent1"/>
+                </a:fillRef>
+                <a:effectRef idx="0">
+                  <a:schemeClr val="accent1"/>
+                </a:effectRef>
+                <a:fontRef idx="minor">
+                  <a:schemeClr val="lt1"/>
+                </a:fontRef>
+              </p:style>
+              <p:txBody>
+                <a:bodyPr rtlCol="0" anchor="ctr"/>
+                <a:lstStyle/>
+                <a:p>
+                  <a:pPr algn="ctr"/>
+                  <a:endParaRPr lang="en-US" sz="1400">
+                    <a:latin typeface="Times New Roman" panose="02020603050405020304" pitchFamily="18" charset="0"/>
+                    <a:cs typeface="Times New Roman" panose="02020603050405020304" pitchFamily="18" charset="0"/>
+                  </a:endParaRPr>
+                </a:p>
+              </p:txBody>
+            </p:sp>
+            <p:sp>
+              <p:nvSpPr>
+                <p:cNvPr id="239" name="Oval 238">
+                  <a:extLst>
+                    <a:ext uri="{FF2B5EF4-FFF2-40B4-BE49-F238E27FC236}">
+                      <a16:creationId xmlns:a16="http://schemas.microsoft.com/office/drawing/2014/main" id="{A58017BF-E84F-1D6F-2DDB-76C3F874AB67}"/>
+                    </a:ext>
+                  </a:extLst>
+                </p:cNvPr>
+                <p:cNvSpPr/>
+                <p:nvPr/>
+              </p:nvSpPr>
+              <p:spPr>
+                <a:xfrm>
+                  <a:off x="4738965" y="1088436"/>
+                  <a:ext cx="45719" cy="45719"/>
+                </a:xfrm>
+                <a:prstGeom prst="ellipse">
+                  <a:avLst/>
+                </a:prstGeom>
+                <a:solidFill>
+                  <a:schemeClr val="tx1"/>
+                </a:solidFill>
+                <a:ln>
+                  <a:solidFill>
+                    <a:schemeClr val="tx1"/>
+                  </a:solidFill>
+                </a:ln>
+              </p:spPr>
+              <p:style>
+                <a:lnRef idx="2">
+                  <a:schemeClr val="accent1">
+                    <a:shade val="50000"/>
+                  </a:schemeClr>
+                </a:lnRef>
+                <a:fillRef idx="1">
+                  <a:schemeClr val="accent1"/>
+                </a:fillRef>
+                <a:effectRef idx="0">
+                  <a:schemeClr val="accent1"/>
+                </a:effectRef>
+                <a:fontRef idx="minor">
+                  <a:schemeClr val="lt1"/>
+                </a:fontRef>
+              </p:style>
+              <p:txBody>
+                <a:bodyPr rtlCol="0" anchor="ctr"/>
+                <a:lstStyle/>
+                <a:p>
+                  <a:pPr algn="ctr"/>
+                  <a:endParaRPr lang="en-US" sz="1400">
+                    <a:latin typeface="Times New Roman" panose="02020603050405020304" pitchFamily="18" charset="0"/>
+                    <a:cs typeface="Times New Roman" panose="02020603050405020304" pitchFamily="18" charset="0"/>
+                  </a:endParaRPr>
+                </a:p>
+              </p:txBody>
+            </p:sp>
+            <p:sp>
+              <p:nvSpPr>
+                <p:cNvPr id="240" name="Oval 239">
+                  <a:extLst>
+                    <a:ext uri="{FF2B5EF4-FFF2-40B4-BE49-F238E27FC236}">
+                      <a16:creationId xmlns:a16="http://schemas.microsoft.com/office/drawing/2014/main" id="{66C4F75B-4D9E-2BAA-309A-FBA32276F6BE}"/>
+                    </a:ext>
+                  </a:extLst>
+                </p:cNvPr>
+                <p:cNvSpPr/>
+                <p:nvPr/>
+              </p:nvSpPr>
+              <p:spPr>
+                <a:xfrm>
+                  <a:off x="4854534" y="1223926"/>
+                  <a:ext cx="45719" cy="45719"/>
+                </a:xfrm>
+                <a:prstGeom prst="ellipse">
+                  <a:avLst/>
+                </a:prstGeom>
+                <a:solidFill>
+                  <a:schemeClr val="tx1"/>
+                </a:solidFill>
+                <a:ln>
+                  <a:solidFill>
+                    <a:schemeClr val="tx1"/>
+                  </a:solidFill>
+                </a:ln>
+              </p:spPr>
+              <p:style>
+                <a:lnRef idx="2">
+                  <a:schemeClr val="accent1">
+                    <a:shade val="50000"/>
+                  </a:schemeClr>
+                </a:lnRef>
+                <a:fillRef idx="1">
+                  <a:schemeClr val="accent1"/>
+                </a:fillRef>
+                <a:effectRef idx="0">
+                  <a:schemeClr val="accent1"/>
+                </a:effectRef>
+                <a:fontRef idx="minor">
+                  <a:schemeClr val="lt1"/>
+                </a:fontRef>
+              </p:style>
+              <p:txBody>
+                <a:bodyPr rtlCol="0" anchor="ctr"/>
+                <a:lstStyle/>
+                <a:p>
+                  <a:pPr algn="ctr"/>
+                  <a:endParaRPr lang="en-US" sz="1400">
+                    <a:latin typeface="Times New Roman" panose="02020603050405020304" pitchFamily="18" charset="0"/>
+                    <a:cs typeface="Times New Roman" panose="02020603050405020304" pitchFamily="18" charset="0"/>
+                  </a:endParaRPr>
+                </a:p>
+              </p:txBody>
+            </p:sp>
+            <p:cxnSp>
+              <p:nvCxnSpPr>
+                <p:cNvPr id="241" name="Straight Connector 240">
+                  <a:extLst>
+                    <a:ext uri="{FF2B5EF4-FFF2-40B4-BE49-F238E27FC236}">
+                      <a16:creationId xmlns:a16="http://schemas.microsoft.com/office/drawing/2014/main" id="{C0132653-0643-57B6-4CB1-4FCF006D2254}"/>
+                    </a:ext>
+                  </a:extLst>
+                </p:cNvPr>
+                <p:cNvCxnSpPr>
+                  <a:cxnSpLocks/>
+                </p:cNvCxnSpPr>
+                <p:nvPr/>
+              </p:nvCxnSpPr>
+              <p:spPr>
+                <a:xfrm flipV="1">
+                  <a:off x="3512416" y="1450580"/>
+                  <a:ext cx="1472979" cy="7062"/>
+                </a:xfrm>
+                <a:prstGeom prst="line">
+                  <a:avLst/>
+                </a:prstGeom>
+                <a:ln>
+                  <a:solidFill>
+                    <a:schemeClr val="tx1"/>
+                  </a:solidFill>
+                  <a:prstDash val="sysDot"/>
+                </a:ln>
+              </p:spPr>
+              <p:style>
+                <a:lnRef idx="1">
+                  <a:schemeClr val="accent1"/>
+                </a:lnRef>
+                <a:fillRef idx="0">
+                  <a:schemeClr val="accent1"/>
+                </a:fillRef>
+                <a:effectRef idx="0">
+                  <a:schemeClr val="accent1"/>
+                </a:effectRef>
+                <a:fontRef idx="minor">
+                  <a:schemeClr val="tx1"/>
+                </a:fontRef>
+              </p:style>
+            </p:cxnSp>
+            <p:sp>
+              <p:nvSpPr>
+                <p:cNvPr id="242" name="TextBox 241">
+                  <a:extLst>
+                    <a:ext uri="{FF2B5EF4-FFF2-40B4-BE49-F238E27FC236}">
+                      <a16:creationId xmlns:a16="http://schemas.microsoft.com/office/drawing/2014/main" id="{00C688AA-D1CB-39CD-A227-429E4EDAB43A}"/>
+                    </a:ext>
+                  </a:extLst>
+                </p:cNvPr>
+                <p:cNvSpPr txBox="1"/>
+                <p:nvPr/>
+              </p:nvSpPr>
+              <p:spPr>
+                <a:xfrm>
+                  <a:off x="4168828" y="2049327"/>
+                  <a:ext cx="516167" cy="307777"/>
+                </a:xfrm>
+                <a:prstGeom prst="rect">
+                  <a:avLst/>
+                </a:prstGeom>
+                <a:noFill/>
+              </p:spPr>
+              <p:txBody>
+                <a:bodyPr wrap="none" rtlCol="0">
+                  <a:spAutoFit/>
+                </a:bodyPr>
+                <a:lstStyle/>
+                <a:p>
+                  <a:r>
+                    <a:rPr lang="en-US" sz="1400" dirty="0">
+                      <a:latin typeface="Times New Roman" panose="02020603050405020304" pitchFamily="18" charset="0"/>
+                      <a:cs typeface="Times New Roman" panose="02020603050405020304" pitchFamily="18" charset="0"/>
+                    </a:rPr>
+                    <a:t>Year</a:t>
+                  </a:r>
+                </a:p>
+              </p:txBody>
+            </p:sp>
+            <p:sp>
+              <p:nvSpPr>
+                <p:cNvPr id="243" name="TextBox 242">
+                  <a:extLst>
+                    <a:ext uri="{FF2B5EF4-FFF2-40B4-BE49-F238E27FC236}">
+                      <a16:creationId xmlns:a16="http://schemas.microsoft.com/office/drawing/2014/main" id="{42BEA3A9-063A-BC60-AE0D-5C2FC3CE1E97}"/>
+                    </a:ext>
+                  </a:extLst>
+                </p:cNvPr>
+                <p:cNvSpPr txBox="1"/>
+                <p:nvPr/>
+              </p:nvSpPr>
+              <p:spPr>
+                <a:xfrm rot="16200000">
+                  <a:off x="3102437" y="1320748"/>
+                  <a:ext cx="359394" cy="307777"/>
+                </a:xfrm>
+                <a:prstGeom prst="rect">
+                  <a:avLst/>
+                </a:prstGeom>
+                <a:noFill/>
+              </p:spPr>
+              <p:txBody>
+                <a:bodyPr wrap="none" rtlCol="0">
+                  <a:spAutoFit/>
+                </a:bodyPr>
+                <a:lstStyle/>
+                <a:p>
+                  <a:r>
+                    <a:rPr lang="en-US" sz="1400" dirty="0">
+                      <a:latin typeface="Times New Roman" panose="02020603050405020304" pitchFamily="18" charset="0"/>
+                      <a:cs typeface="Times New Roman" panose="02020603050405020304" pitchFamily="18" charset="0"/>
+                    </a:rPr>
+                    <a:t>⁰C</a:t>
+                  </a:r>
+                </a:p>
+              </p:txBody>
+            </p:sp>
+            <p:sp>
+              <p:nvSpPr>
+                <p:cNvPr id="244" name="TextBox 243">
+                  <a:extLst>
+                    <a:ext uri="{FF2B5EF4-FFF2-40B4-BE49-F238E27FC236}">
+                      <a16:creationId xmlns:a16="http://schemas.microsoft.com/office/drawing/2014/main" id="{1F75C1C5-413D-A908-48D3-0156050C41D9}"/>
+                    </a:ext>
+                  </a:extLst>
+                </p:cNvPr>
+                <p:cNvSpPr txBox="1"/>
+                <p:nvPr/>
+              </p:nvSpPr>
+              <p:spPr>
+                <a:xfrm>
+                  <a:off x="3590454" y="735011"/>
+                  <a:ext cx="1656607" cy="307777"/>
+                </a:xfrm>
+                <a:prstGeom prst="rect">
+                  <a:avLst/>
+                </a:prstGeom>
+                <a:noFill/>
+              </p:spPr>
+              <p:txBody>
+                <a:bodyPr wrap="none" rtlCol="0">
+                  <a:spAutoFit/>
+                </a:bodyPr>
+                <a:lstStyle/>
+                <a:p>
+                  <a:r>
+                    <a:rPr lang="en-US" sz="1400" dirty="0">
+                      <a:latin typeface="Times New Roman" panose="02020603050405020304" pitchFamily="18" charset="0"/>
+                      <a:cs typeface="Times New Roman" panose="02020603050405020304" pitchFamily="18" charset="0"/>
+                    </a:rPr>
+                    <a:t>Plot X, Visit 2, 2017</a:t>
+                  </a:r>
+                </a:p>
+              </p:txBody>
+            </p:sp>
+            <p:sp>
+              <p:nvSpPr>
+                <p:cNvPr id="245" name="TextBox 244">
+                  <a:extLst>
+                    <a:ext uri="{FF2B5EF4-FFF2-40B4-BE49-F238E27FC236}">
+                      <a16:creationId xmlns:a16="http://schemas.microsoft.com/office/drawing/2014/main" id="{FCBFB54D-59C3-3A14-DA6F-EFEF00DB6DFC}"/>
+                    </a:ext>
+                  </a:extLst>
+                </p:cNvPr>
+                <p:cNvSpPr txBox="1"/>
+                <p:nvPr/>
+              </p:nvSpPr>
+              <p:spPr>
+                <a:xfrm>
+                  <a:off x="4826230" y="2271956"/>
+                  <a:ext cx="543739" cy="307777"/>
+                </a:xfrm>
+                <a:prstGeom prst="rect">
+                  <a:avLst/>
+                </a:prstGeom>
+                <a:noFill/>
+              </p:spPr>
+              <p:txBody>
+                <a:bodyPr wrap="none" rtlCol="0">
+                  <a:spAutoFit/>
+                </a:bodyPr>
+                <a:lstStyle/>
+                <a:p>
+                  <a:r>
+                    <a:rPr lang="en-US" sz="1400" dirty="0">
+                      <a:latin typeface="Times New Roman" panose="02020603050405020304" pitchFamily="18" charset="0"/>
+                      <a:cs typeface="Times New Roman" panose="02020603050405020304" pitchFamily="18" charset="0"/>
+                    </a:rPr>
+                    <a:t>2017</a:t>
+                  </a:r>
+                </a:p>
+              </p:txBody>
+            </p:sp>
+            <p:sp>
+              <p:nvSpPr>
+                <p:cNvPr id="246" name="TextBox 245">
+                  <a:extLst>
+                    <a:ext uri="{FF2B5EF4-FFF2-40B4-BE49-F238E27FC236}">
+                      <a16:creationId xmlns:a16="http://schemas.microsoft.com/office/drawing/2014/main" id="{1299BECD-1179-57B5-FC04-AB6FAF9A43DA}"/>
+                    </a:ext>
+                  </a:extLst>
+                </p:cNvPr>
+                <p:cNvSpPr txBox="1"/>
+                <p:nvPr/>
+              </p:nvSpPr>
+              <p:spPr>
+                <a:xfrm>
+                  <a:off x="3181369" y="2271956"/>
+                  <a:ext cx="543739" cy="307777"/>
+                </a:xfrm>
+                <a:prstGeom prst="rect">
+                  <a:avLst/>
+                </a:prstGeom>
+                <a:noFill/>
+              </p:spPr>
+              <p:txBody>
+                <a:bodyPr wrap="none" rtlCol="0">
+                  <a:spAutoFit/>
+                </a:bodyPr>
+                <a:lstStyle/>
+                <a:p>
+                  <a:r>
+                    <a:rPr lang="en-US" sz="1400" dirty="0">
+                      <a:latin typeface="Times New Roman" panose="02020603050405020304" pitchFamily="18" charset="0"/>
+                      <a:cs typeface="Times New Roman" panose="02020603050405020304" pitchFamily="18" charset="0"/>
+                    </a:rPr>
+                    <a:t>2008</a:t>
+                  </a:r>
+                </a:p>
+              </p:txBody>
+            </p:sp>
+            <p:cxnSp>
+              <p:nvCxnSpPr>
+                <p:cNvPr id="247" name="Straight Arrow Connector 246">
+                  <a:extLst>
+                    <a:ext uri="{FF2B5EF4-FFF2-40B4-BE49-F238E27FC236}">
+                      <a16:creationId xmlns:a16="http://schemas.microsoft.com/office/drawing/2014/main" id="{9E922307-1CB4-3F78-57AD-484FBB7D2AE9}"/>
+                    </a:ext>
+                  </a:extLst>
+                </p:cNvPr>
+                <p:cNvCxnSpPr>
+                  <a:cxnSpLocks/>
+                  <a:endCxn id="230" idx="4"/>
+                </p:cNvCxnSpPr>
+                <p:nvPr/>
+              </p:nvCxnSpPr>
+              <p:spPr>
+                <a:xfrm flipV="1">
+                  <a:off x="3516809" y="1698710"/>
+                  <a:ext cx="62329" cy="614393"/>
+                </a:xfrm>
+                <a:prstGeom prst="straightConnector1">
+                  <a:avLst/>
+                </a:prstGeom>
+                <a:ln>
+                  <a:solidFill>
+                    <a:schemeClr val="tx1"/>
+                  </a:solidFill>
+                  <a:tailEnd type="triangle"/>
+                </a:ln>
+              </p:spPr>
+              <p:style>
+                <a:lnRef idx="1">
+                  <a:schemeClr val="accent1"/>
+                </a:lnRef>
+                <a:fillRef idx="0">
+                  <a:schemeClr val="accent1"/>
+                </a:fillRef>
+                <a:effectRef idx="0">
+                  <a:schemeClr val="accent1"/>
+                </a:effectRef>
+                <a:fontRef idx="minor">
+                  <a:schemeClr val="tx1"/>
+                </a:fontRef>
+              </p:style>
+            </p:cxnSp>
+          </p:grpSp>
         </p:grpSp>
+        <p:cxnSp>
+          <p:nvCxnSpPr>
+            <p:cNvPr id="207" name="Straight Arrow Connector 206">
+              <a:extLst>
+                <a:ext uri="{FF2B5EF4-FFF2-40B4-BE49-F238E27FC236}">
+                  <a16:creationId xmlns:a16="http://schemas.microsoft.com/office/drawing/2014/main" id="{0EF433FB-FFB6-3DC5-7848-2B9341AA3D2D}"/>
+                </a:ext>
+              </a:extLst>
+            </p:cNvPr>
+            <p:cNvCxnSpPr>
+              <a:cxnSpLocks/>
+              <a:endCxn id="240" idx="4"/>
+            </p:cNvCxnSpPr>
+            <p:nvPr/>
+          </p:nvCxnSpPr>
+          <p:spPr>
+            <a:xfrm flipH="1" flipV="1">
+              <a:off x="4912697" y="1266883"/>
+              <a:ext cx="245158" cy="1043458"/>
+            </a:xfrm>
+            <a:prstGeom prst="straightConnector1">
+              <a:avLst/>
+            </a:prstGeom>
+            <a:ln>
+              <a:solidFill>
+                <a:schemeClr val="tx1"/>
+              </a:solidFill>
+              <a:tailEnd type="triangle"/>
+            </a:ln>
+          </p:spPr>
+          <p:style>
+            <a:lnRef idx="1">
+              <a:schemeClr val="accent1"/>
+            </a:lnRef>
+            <a:fillRef idx="0">
+              <a:schemeClr val="accent1"/>
+            </a:fillRef>
+            <a:effectRef idx="0">
+              <a:schemeClr val="accent1"/>
+            </a:effectRef>
+            <a:fontRef idx="minor">
+              <a:schemeClr val="tx1"/>
+            </a:fontRef>
+          </p:style>
+        </p:cxnSp>
+        <p:sp>
+          <p:nvSpPr>
+            <p:cNvPr id="208" name="Oval 207">
+              <a:extLst>
+                <a:ext uri="{FF2B5EF4-FFF2-40B4-BE49-F238E27FC236}">
+                  <a16:creationId xmlns:a16="http://schemas.microsoft.com/office/drawing/2014/main" id="{EE27E9CE-F186-DB72-38A5-5D613F834F27}"/>
+                </a:ext>
+              </a:extLst>
+            </p:cNvPr>
+            <p:cNvSpPr/>
+            <p:nvPr/>
+          </p:nvSpPr>
+          <p:spPr>
+            <a:xfrm rot="909238">
+              <a:off x="1464913" y="1733746"/>
+              <a:ext cx="45719" cy="45719"/>
+            </a:xfrm>
+            <a:prstGeom prst="ellipse">
+              <a:avLst/>
+            </a:prstGeom>
+            <a:solidFill>
+              <a:schemeClr val="tx1"/>
+            </a:solidFill>
+            <a:ln>
+              <a:solidFill>
+                <a:schemeClr val="tx1"/>
+              </a:solidFill>
+            </a:ln>
+          </p:spPr>
+          <p:style>
+            <a:lnRef idx="2">
+              <a:schemeClr val="accent1">
+                <a:shade val="50000"/>
+              </a:schemeClr>
+            </a:lnRef>
+            <a:fillRef idx="1">
+              <a:schemeClr val="accent1"/>
+            </a:fillRef>
+            <a:effectRef idx="0">
+              <a:schemeClr val="accent1"/>
+            </a:effectRef>
+            <a:fontRef idx="minor">
+              <a:schemeClr val="lt1"/>
+            </a:fontRef>
+          </p:style>
+          <p:txBody>
+            <a:bodyPr rtlCol="0" anchor="ctr"/>
+            <a:lstStyle/>
+            <a:p>
+              <a:pPr algn="ctr"/>
+              <a:endParaRPr lang="en-US" sz="1400">
+                <a:latin typeface="Times New Roman" panose="02020603050405020304" pitchFamily="18" charset="0"/>
+                <a:cs typeface="Times New Roman" panose="02020603050405020304" pitchFamily="18" charset="0"/>
+              </a:endParaRPr>
+            </a:p>
+          </p:txBody>
+        </p:sp>
+        <p:sp>
+          <p:nvSpPr>
+            <p:cNvPr id="209" name="Oval 208">
+              <a:extLst>
+                <a:ext uri="{FF2B5EF4-FFF2-40B4-BE49-F238E27FC236}">
+                  <a16:creationId xmlns:a16="http://schemas.microsoft.com/office/drawing/2014/main" id="{22DEAFDC-3222-5993-1484-A1EA37CFDF02}"/>
+                </a:ext>
+              </a:extLst>
+            </p:cNvPr>
+            <p:cNvSpPr/>
+            <p:nvPr/>
+          </p:nvSpPr>
+          <p:spPr>
+            <a:xfrm rot="909238">
+              <a:off x="1631328" y="1899434"/>
+              <a:ext cx="45719" cy="45719"/>
+            </a:xfrm>
+            <a:prstGeom prst="ellipse">
+              <a:avLst/>
+            </a:prstGeom>
+            <a:solidFill>
+              <a:schemeClr val="tx1"/>
+            </a:solidFill>
+            <a:ln>
+              <a:solidFill>
+                <a:schemeClr val="tx1"/>
+              </a:solidFill>
+            </a:ln>
+          </p:spPr>
+          <p:style>
+            <a:lnRef idx="2">
+              <a:schemeClr val="accent1">
+                <a:shade val="50000"/>
+              </a:schemeClr>
+            </a:lnRef>
+            <a:fillRef idx="1">
+              <a:schemeClr val="accent1"/>
+            </a:fillRef>
+            <a:effectRef idx="0">
+              <a:schemeClr val="accent1"/>
+            </a:effectRef>
+            <a:fontRef idx="minor">
+              <a:schemeClr val="lt1"/>
+            </a:fontRef>
+          </p:style>
+          <p:txBody>
+            <a:bodyPr rtlCol="0" anchor="ctr"/>
+            <a:lstStyle/>
+            <a:p>
+              <a:pPr algn="ctr"/>
+              <a:endParaRPr lang="en-US" sz="1400">
+                <a:latin typeface="Times New Roman" panose="02020603050405020304" pitchFamily="18" charset="0"/>
+                <a:cs typeface="Times New Roman" panose="02020603050405020304" pitchFamily="18" charset="0"/>
+              </a:endParaRPr>
+            </a:p>
+          </p:txBody>
+        </p:sp>
+        <p:sp>
+          <p:nvSpPr>
+            <p:cNvPr id="210" name="Oval 209">
+              <a:extLst>
+                <a:ext uri="{FF2B5EF4-FFF2-40B4-BE49-F238E27FC236}">
+                  <a16:creationId xmlns:a16="http://schemas.microsoft.com/office/drawing/2014/main" id="{5CE93540-0BC2-46D9-E7C3-CDDA4645321A}"/>
+                </a:ext>
+              </a:extLst>
+            </p:cNvPr>
+            <p:cNvSpPr/>
+            <p:nvPr/>
+          </p:nvSpPr>
+          <p:spPr>
+            <a:xfrm rot="909238">
+              <a:off x="1755444" y="1702387"/>
+              <a:ext cx="45719" cy="45719"/>
+            </a:xfrm>
+            <a:prstGeom prst="ellipse">
+              <a:avLst/>
+            </a:prstGeom>
+            <a:solidFill>
+              <a:schemeClr val="tx1"/>
+            </a:solidFill>
+            <a:ln>
+              <a:solidFill>
+                <a:schemeClr val="tx1"/>
+              </a:solidFill>
+            </a:ln>
+          </p:spPr>
+          <p:style>
+            <a:lnRef idx="2">
+              <a:schemeClr val="accent1">
+                <a:shade val="50000"/>
+              </a:schemeClr>
+            </a:lnRef>
+            <a:fillRef idx="1">
+              <a:schemeClr val="accent1"/>
+            </a:fillRef>
+            <a:effectRef idx="0">
+              <a:schemeClr val="accent1"/>
+            </a:effectRef>
+            <a:fontRef idx="minor">
+              <a:schemeClr val="lt1"/>
+            </a:fontRef>
+          </p:style>
+          <p:txBody>
+            <a:bodyPr rtlCol="0" anchor="ctr"/>
+            <a:lstStyle/>
+            <a:p>
+              <a:pPr algn="ctr"/>
+              <a:endParaRPr lang="en-US" sz="1400">
+                <a:latin typeface="Times New Roman" panose="02020603050405020304" pitchFamily="18" charset="0"/>
+                <a:cs typeface="Times New Roman" panose="02020603050405020304" pitchFamily="18" charset="0"/>
+              </a:endParaRPr>
+            </a:p>
+          </p:txBody>
+        </p:sp>
+        <p:sp>
+          <p:nvSpPr>
+            <p:cNvPr id="211" name="Oval 210">
+              <a:extLst>
+                <a:ext uri="{FF2B5EF4-FFF2-40B4-BE49-F238E27FC236}">
+                  <a16:creationId xmlns:a16="http://schemas.microsoft.com/office/drawing/2014/main" id="{CFC8CFE5-0577-4311-49F0-6A2ABEAD72E1}"/>
+                </a:ext>
+              </a:extLst>
+            </p:cNvPr>
+            <p:cNvSpPr/>
+            <p:nvPr/>
+          </p:nvSpPr>
+          <p:spPr>
+            <a:xfrm rot="909238">
+              <a:off x="1899175" y="1601597"/>
+              <a:ext cx="45719" cy="45719"/>
+            </a:xfrm>
+            <a:prstGeom prst="ellipse">
+              <a:avLst/>
+            </a:prstGeom>
+            <a:solidFill>
+              <a:schemeClr val="tx1"/>
+            </a:solidFill>
+            <a:ln>
+              <a:solidFill>
+                <a:schemeClr val="tx1"/>
+              </a:solidFill>
+            </a:ln>
+          </p:spPr>
+          <p:style>
+            <a:lnRef idx="2">
+              <a:schemeClr val="accent1">
+                <a:shade val="50000"/>
+              </a:schemeClr>
+            </a:lnRef>
+            <a:fillRef idx="1">
+              <a:schemeClr val="accent1"/>
+            </a:fillRef>
+            <a:effectRef idx="0">
+              <a:schemeClr val="accent1"/>
+            </a:effectRef>
+            <a:fontRef idx="minor">
+              <a:schemeClr val="lt1"/>
+            </a:fontRef>
+          </p:style>
+          <p:txBody>
+            <a:bodyPr rtlCol="0" anchor="ctr"/>
+            <a:lstStyle/>
+            <a:p>
+              <a:pPr algn="ctr"/>
+              <a:endParaRPr lang="en-US" sz="1400">
+                <a:latin typeface="Times New Roman" panose="02020603050405020304" pitchFamily="18" charset="0"/>
+                <a:cs typeface="Times New Roman" panose="02020603050405020304" pitchFamily="18" charset="0"/>
+              </a:endParaRPr>
+            </a:p>
+          </p:txBody>
+        </p:sp>
+        <p:sp>
+          <p:nvSpPr>
+            <p:cNvPr id="212" name="Oval 211">
+              <a:extLst>
+                <a:ext uri="{FF2B5EF4-FFF2-40B4-BE49-F238E27FC236}">
+                  <a16:creationId xmlns:a16="http://schemas.microsoft.com/office/drawing/2014/main" id="{98B966B7-72BA-0447-5F22-76C5D9138A5A}"/>
+                </a:ext>
+              </a:extLst>
+            </p:cNvPr>
+            <p:cNvSpPr/>
+            <p:nvPr/>
+          </p:nvSpPr>
+          <p:spPr>
+            <a:xfrm rot="909238">
+              <a:off x="1997708" y="1670324"/>
+              <a:ext cx="45719" cy="45719"/>
+            </a:xfrm>
+            <a:prstGeom prst="ellipse">
+              <a:avLst/>
+            </a:prstGeom>
+            <a:solidFill>
+              <a:schemeClr val="tx1"/>
+            </a:solidFill>
+            <a:ln>
+              <a:solidFill>
+                <a:schemeClr val="tx1"/>
+              </a:solidFill>
+            </a:ln>
+          </p:spPr>
+          <p:style>
+            <a:lnRef idx="2">
+              <a:schemeClr val="accent1">
+                <a:shade val="50000"/>
+              </a:schemeClr>
+            </a:lnRef>
+            <a:fillRef idx="1">
+              <a:schemeClr val="accent1"/>
+            </a:fillRef>
+            <a:effectRef idx="0">
+              <a:schemeClr val="accent1"/>
+            </a:effectRef>
+            <a:fontRef idx="minor">
+              <a:schemeClr val="lt1"/>
+            </a:fontRef>
+          </p:style>
+          <p:txBody>
+            <a:bodyPr rtlCol="0" anchor="ctr"/>
+            <a:lstStyle/>
+            <a:p>
+              <a:pPr algn="ctr"/>
+              <a:endParaRPr lang="en-US" sz="1400">
+                <a:latin typeface="Times New Roman" panose="02020603050405020304" pitchFamily="18" charset="0"/>
+                <a:cs typeface="Times New Roman" panose="02020603050405020304" pitchFamily="18" charset="0"/>
+              </a:endParaRPr>
+            </a:p>
+          </p:txBody>
+        </p:sp>
+        <p:sp>
+          <p:nvSpPr>
+            <p:cNvPr id="213" name="Oval 212">
+              <a:extLst>
+                <a:ext uri="{FF2B5EF4-FFF2-40B4-BE49-F238E27FC236}">
+                  <a16:creationId xmlns:a16="http://schemas.microsoft.com/office/drawing/2014/main" id="{3343E7DD-A17B-2727-42ED-CF2E90A023A8}"/>
+                </a:ext>
+              </a:extLst>
+            </p:cNvPr>
+            <p:cNvSpPr/>
+            <p:nvPr/>
+          </p:nvSpPr>
+          <p:spPr>
+            <a:xfrm rot="909238">
+              <a:off x="2186415" y="1721940"/>
+              <a:ext cx="45719" cy="45719"/>
+            </a:xfrm>
+            <a:prstGeom prst="ellipse">
+              <a:avLst/>
+            </a:prstGeom>
+            <a:solidFill>
+              <a:schemeClr val="tx1"/>
+            </a:solidFill>
+            <a:ln>
+              <a:solidFill>
+                <a:schemeClr val="tx1"/>
+              </a:solidFill>
+            </a:ln>
+          </p:spPr>
+          <p:style>
+            <a:lnRef idx="2">
+              <a:schemeClr val="accent1">
+                <a:shade val="50000"/>
+              </a:schemeClr>
+            </a:lnRef>
+            <a:fillRef idx="1">
+              <a:schemeClr val="accent1"/>
+            </a:fillRef>
+            <a:effectRef idx="0">
+              <a:schemeClr val="accent1"/>
+            </a:effectRef>
+            <a:fontRef idx="minor">
+              <a:schemeClr val="lt1"/>
+            </a:fontRef>
+          </p:style>
+          <p:txBody>
+            <a:bodyPr rtlCol="0" anchor="ctr"/>
+            <a:lstStyle/>
+            <a:p>
+              <a:pPr algn="ctr"/>
+              <a:endParaRPr lang="en-US" sz="1400">
+                <a:latin typeface="Times New Roman" panose="02020603050405020304" pitchFamily="18" charset="0"/>
+                <a:cs typeface="Times New Roman" panose="02020603050405020304" pitchFamily="18" charset="0"/>
+              </a:endParaRPr>
+            </a:p>
+          </p:txBody>
+        </p:sp>
+        <p:sp>
+          <p:nvSpPr>
+            <p:cNvPr id="214" name="Oval 213">
+              <a:extLst>
+                <a:ext uri="{FF2B5EF4-FFF2-40B4-BE49-F238E27FC236}">
+                  <a16:creationId xmlns:a16="http://schemas.microsoft.com/office/drawing/2014/main" id="{D229D69F-53A4-6EB9-A382-4FF59B07B556}"/>
+                </a:ext>
+              </a:extLst>
+            </p:cNvPr>
+            <p:cNvSpPr/>
+            <p:nvPr/>
+          </p:nvSpPr>
+          <p:spPr>
+            <a:xfrm rot="909238">
+              <a:off x="2369119" y="1785368"/>
+              <a:ext cx="45719" cy="45719"/>
+            </a:xfrm>
+            <a:prstGeom prst="ellipse">
+              <a:avLst/>
+            </a:prstGeom>
+            <a:solidFill>
+              <a:schemeClr val="tx1"/>
+            </a:solidFill>
+            <a:ln>
+              <a:solidFill>
+                <a:schemeClr val="tx1"/>
+              </a:solidFill>
+            </a:ln>
+          </p:spPr>
+          <p:style>
+            <a:lnRef idx="2">
+              <a:schemeClr val="accent1">
+                <a:shade val="50000"/>
+              </a:schemeClr>
+            </a:lnRef>
+            <a:fillRef idx="1">
+              <a:schemeClr val="accent1"/>
+            </a:fillRef>
+            <a:effectRef idx="0">
+              <a:schemeClr val="accent1"/>
+            </a:effectRef>
+            <a:fontRef idx="minor">
+              <a:schemeClr val="lt1"/>
+            </a:fontRef>
+          </p:style>
+          <p:txBody>
+            <a:bodyPr rtlCol="0" anchor="ctr"/>
+            <a:lstStyle/>
+            <a:p>
+              <a:pPr algn="ctr"/>
+              <a:endParaRPr lang="en-US" sz="1400">
+                <a:latin typeface="Times New Roman" panose="02020603050405020304" pitchFamily="18" charset="0"/>
+                <a:cs typeface="Times New Roman" panose="02020603050405020304" pitchFamily="18" charset="0"/>
+              </a:endParaRPr>
+            </a:p>
+          </p:txBody>
+        </p:sp>
+        <p:sp>
+          <p:nvSpPr>
+            <p:cNvPr id="215" name="Oval 214">
+              <a:extLst>
+                <a:ext uri="{FF2B5EF4-FFF2-40B4-BE49-F238E27FC236}">
+                  <a16:creationId xmlns:a16="http://schemas.microsoft.com/office/drawing/2014/main" id="{5EA7891B-A944-8A27-6002-D01F32608398}"/>
+                </a:ext>
+              </a:extLst>
+            </p:cNvPr>
+            <p:cNvSpPr/>
+            <p:nvPr/>
+          </p:nvSpPr>
+          <p:spPr>
+            <a:xfrm rot="909238">
+              <a:off x="2538579" y="1937768"/>
+              <a:ext cx="45719" cy="45719"/>
+            </a:xfrm>
+            <a:prstGeom prst="ellipse">
+              <a:avLst/>
+            </a:prstGeom>
+            <a:solidFill>
+              <a:schemeClr val="tx1"/>
+            </a:solidFill>
+            <a:ln>
+              <a:solidFill>
+                <a:schemeClr val="tx1"/>
+              </a:solidFill>
+            </a:ln>
+          </p:spPr>
+          <p:style>
+            <a:lnRef idx="2">
+              <a:schemeClr val="accent1">
+                <a:shade val="50000"/>
+              </a:schemeClr>
+            </a:lnRef>
+            <a:fillRef idx="1">
+              <a:schemeClr val="accent1"/>
+            </a:fillRef>
+            <a:effectRef idx="0">
+              <a:schemeClr val="accent1"/>
+            </a:effectRef>
+            <a:fontRef idx="minor">
+              <a:schemeClr val="lt1"/>
+            </a:fontRef>
+          </p:style>
+          <p:txBody>
+            <a:bodyPr rtlCol="0" anchor="ctr"/>
+            <a:lstStyle/>
+            <a:p>
+              <a:pPr algn="ctr"/>
+              <a:endParaRPr lang="en-US" sz="1400">
+                <a:latin typeface="Times New Roman" panose="02020603050405020304" pitchFamily="18" charset="0"/>
+                <a:cs typeface="Times New Roman" panose="02020603050405020304" pitchFamily="18" charset="0"/>
+              </a:endParaRPr>
+            </a:p>
+          </p:txBody>
+        </p:sp>
+        <p:sp>
+          <p:nvSpPr>
+            <p:cNvPr id="216" name="Oval 215">
+              <a:extLst>
+                <a:ext uri="{FF2B5EF4-FFF2-40B4-BE49-F238E27FC236}">
+                  <a16:creationId xmlns:a16="http://schemas.microsoft.com/office/drawing/2014/main" id="{CB612B37-9E7E-F385-BA6F-1B303CBC487E}"/>
+                </a:ext>
+              </a:extLst>
+            </p:cNvPr>
+            <p:cNvSpPr/>
+            <p:nvPr/>
+          </p:nvSpPr>
+          <p:spPr>
+            <a:xfrm rot="909238">
+              <a:off x="2601023" y="1670643"/>
+              <a:ext cx="45719" cy="45719"/>
+            </a:xfrm>
+            <a:prstGeom prst="ellipse">
+              <a:avLst/>
+            </a:prstGeom>
+            <a:solidFill>
+              <a:schemeClr val="tx1"/>
+            </a:solidFill>
+            <a:ln>
+              <a:solidFill>
+                <a:schemeClr val="tx1"/>
+              </a:solidFill>
+            </a:ln>
+          </p:spPr>
+          <p:style>
+            <a:lnRef idx="2">
+              <a:schemeClr val="accent1">
+                <a:shade val="50000"/>
+              </a:schemeClr>
+            </a:lnRef>
+            <a:fillRef idx="1">
+              <a:schemeClr val="accent1"/>
+            </a:fillRef>
+            <a:effectRef idx="0">
+              <a:schemeClr val="accent1"/>
+            </a:effectRef>
+            <a:fontRef idx="minor">
+              <a:schemeClr val="lt1"/>
+            </a:fontRef>
+          </p:style>
+          <p:txBody>
+            <a:bodyPr rtlCol="0" anchor="ctr"/>
+            <a:lstStyle/>
+            <a:p>
+              <a:pPr algn="ctr"/>
+              <a:endParaRPr lang="en-US" sz="1400">
+                <a:latin typeface="Times New Roman" panose="02020603050405020304" pitchFamily="18" charset="0"/>
+                <a:cs typeface="Times New Roman" panose="02020603050405020304" pitchFamily="18" charset="0"/>
+              </a:endParaRPr>
+            </a:p>
+          </p:txBody>
+        </p:sp>
       </p:grpSp>
       <p:grpSp>
         <p:nvGrpSpPr>

--- a/Manuscript/Drafts/Fig Analysis Steps3.pptx
+++ b/Manuscript/Drafts/Fig Analysis Steps3.pptx
@@ -259,7 +259,7 @@
           <a:p>
             <a:fld id="{85B4A8A7-C2FF-4076-BC28-D85526382730}" type="datetimeFigureOut">
               <a:rPr lang="en-US" smtClean="0"/>
-              <a:t>6/30/2023</a:t>
+              <a:t>7/6/2023</a:t>
             </a:fld>
             <a:endParaRPr lang="en-US"/>
           </a:p>
@@ -457,7 +457,7 @@
           <a:p>
             <a:fld id="{85B4A8A7-C2FF-4076-BC28-D85526382730}" type="datetimeFigureOut">
               <a:rPr lang="en-US" smtClean="0"/>
-              <a:t>6/30/2023</a:t>
+              <a:t>7/6/2023</a:t>
             </a:fld>
             <a:endParaRPr lang="en-US"/>
           </a:p>
@@ -665,7 +665,7 @@
           <a:p>
             <a:fld id="{85B4A8A7-C2FF-4076-BC28-D85526382730}" type="datetimeFigureOut">
               <a:rPr lang="en-US" smtClean="0"/>
-              <a:t>6/30/2023</a:t>
+              <a:t>7/6/2023</a:t>
             </a:fld>
             <a:endParaRPr lang="en-US"/>
           </a:p>
@@ -863,7 +863,7 @@
           <a:p>
             <a:fld id="{85B4A8A7-C2FF-4076-BC28-D85526382730}" type="datetimeFigureOut">
               <a:rPr lang="en-US" smtClean="0"/>
-              <a:t>6/30/2023</a:t>
+              <a:t>7/6/2023</a:t>
             </a:fld>
             <a:endParaRPr lang="en-US"/>
           </a:p>
@@ -1138,7 +1138,7 @@
           <a:p>
             <a:fld id="{85B4A8A7-C2FF-4076-BC28-D85526382730}" type="datetimeFigureOut">
               <a:rPr lang="en-US" smtClean="0"/>
-              <a:t>6/30/2023</a:t>
+              <a:t>7/6/2023</a:t>
             </a:fld>
             <a:endParaRPr lang="en-US"/>
           </a:p>
@@ -1403,7 +1403,7 @@
           <a:p>
             <a:fld id="{85B4A8A7-C2FF-4076-BC28-D85526382730}" type="datetimeFigureOut">
               <a:rPr lang="en-US" smtClean="0"/>
-              <a:t>6/30/2023</a:t>
+              <a:t>7/6/2023</a:t>
             </a:fld>
             <a:endParaRPr lang="en-US"/>
           </a:p>
@@ -1815,7 +1815,7 @@
           <a:p>
             <a:fld id="{85B4A8A7-C2FF-4076-BC28-D85526382730}" type="datetimeFigureOut">
               <a:rPr lang="en-US" smtClean="0"/>
-              <a:t>6/30/2023</a:t>
+              <a:t>7/6/2023</a:t>
             </a:fld>
             <a:endParaRPr lang="en-US"/>
           </a:p>
@@ -1956,7 +1956,7 @@
           <a:p>
             <a:fld id="{85B4A8A7-C2FF-4076-BC28-D85526382730}" type="datetimeFigureOut">
               <a:rPr lang="en-US" smtClean="0"/>
-              <a:t>6/30/2023</a:t>
+              <a:t>7/6/2023</a:t>
             </a:fld>
             <a:endParaRPr lang="en-US"/>
           </a:p>
@@ -2069,7 +2069,7 @@
           <a:p>
             <a:fld id="{85B4A8A7-C2FF-4076-BC28-D85526382730}" type="datetimeFigureOut">
               <a:rPr lang="en-US" smtClean="0"/>
-              <a:t>6/30/2023</a:t>
+              <a:t>7/6/2023</a:t>
             </a:fld>
             <a:endParaRPr lang="en-US"/>
           </a:p>
@@ -2380,7 +2380,7 @@
           <a:p>
             <a:fld id="{85B4A8A7-C2FF-4076-BC28-D85526382730}" type="datetimeFigureOut">
               <a:rPr lang="en-US" smtClean="0"/>
-              <a:t>6/30/2023</a:t>
+              <a:t>7/6/2023</a:t>
             </a:fld>
             <a:endParaRPr lang="en-US"/>
           </a:p>
@@ -2668,7 +2668,7 @@
           <a:p>
             <a:fld id="{85B4A8A7-C2FF-4076-BC28-D85526382730}" type="datetimeFigureOut">
               <a:rPr lang="en-US" smtClean="0"/>
-              <a:t>6/30/2023</a:t>
+              <a:t>7/6/2023</a:t>
             </a:fld>
             <a:endParaRPr lang="en-US"/>
           </a:p>
@@ -2909,7 +2909,7 @@
           <a:p>
             <a:fld id="{85B4A8A7-C2FF-4076-BC28-D85526382730}" type="datetimeFigureOut">
               <a:rPr lang="en-US" smtClean="0"/>
-              <a:t>6/30/2023</a:t>
+              <a:t>7/6/2023</a:t>
             </a:fld>
             <a:endParaRPr lang="en-US"/>
           </a:p>
@@ -6132,8 +6132,8 @@
           </p:nvSpPr>
           <p:spPr>
             <a:xfrm>
-              <a:off x="7911181" y="2979512"/>
-              <a:ext cx="1288943" cy="307777"/>
+              <a:off x="8112517" y="2979512"/>
+              <a:ext cx="919226" cy="307777"/>
             </a:xfrm>
             <a:prstGeom prst="rect">
               <a:avLst/>
@@ -6151,7 +6151,7 @@
                   <a:latin typeface="Times New Roman" panose="02020603050405020304" pitchFamily="18" charset="0"/>
                   <a:cs typeface="Times New Roman" panose="02020603050405020304" pitchFamily="18" charset="0"/>
                 </a:rPr>
-                <a:t>⁰C, Visit 1 Year</a:t>
+                <a:t>⁰C, Visit 1</a:t>
               </a:r>
             </a:p>
           </p:txBody>
@@ -6474,9 +6474,9 @@
         <p:grpSpPr>
           <a:xfrm>
             <a:off x="1183444" y="2917093"/>
-            <a:ext cx="3959519" cy="1912681"/>
+            <a:ext cx="3959519" cy="1929336"/>
             <a:chOff x="4302980" y="3909776"/>
-            <a:chExt cx="3959519" cy="1912681"/>
+            <a:chExt cx="3959519" cy="1929336"/>
           </a:xfrm>
         </p:grpSpPr>
         <p:cxnSp>
@@ -6537,9 +6537,9 @@
           <p:grpSpPr>
             <a:xfrm>
               <a:off x="4302980" y="3909776"/>
-              <a:ext cx="3959519" cy="1912681"/>
+              <a:ext cx="3959519" cy="1929336"/>
               <a:chOff x="4302980" y="3909776"/>
-              <a:chExt cx="3959519" cy="1912681"/>
+              <a:chExt cx="3959519" cy="1929336"/>
             </a:xfrm>
           </p:grpSpPr>
           <p:cxnSp>
@@ -6642,8 +6642,8 @@
             </p:nvSpPr>
             <p:spPr>
               <a:xfrm>
-                <a:off x="5659503" y="5514680"/>
-                <a:ext cx="1288943" cy="307777"/>
+                <a:off x="6012817" y="5531335"/>
+                <a:ext cx="919226" cy="307777"/>
               </a:xfrm>
               <a:prstGeom prst="rect">
                 <a:avLst/>
@@ -6661,7 +6661,7 @@
                     <a:latin typeface="Times New Roman" panose="02020603050405020304" pitchFamily="18" charset="0"/>
                     <a:cs typeface="Times New Roman" panose="02020603050405020304" pitchFamily="18" charset="0"/>
                   </a:rPr>
-                  <a:t>⁰C, Visit 1 Year</a:t>
+                  <a:t>⁰C, Visit 1</a:t>
                 </a:r>
               </a:p>
             </p:txBody>
@@ -7247,7 +7247,7 @@
                     <a:latin typeface="Times New Roman" panose="02020603050405020304" pitchFamily="18" charset="0"/>
                     <a:cs typeface="Times New Roman" panose="02020603050405020304" pitchFamily="18" charset="0"/>
                   </a:rPr>
-                  <a:t>C difference in means between tree loss /gain plots</a:t>
+                  <a:t>C difference in means between tree loss / gain plots</a:t>
                 </a:r>
               </a:p>
             </p:txBody>
